--- a/Installation.pptx
+++ b/Installation.pptx
@@ -5,28 +5,31 @@
     <p:sldMasterId id="2147483648" r:id="rId1"/>
   </p:sldMasterIdLst>
   <p:sldIdLst>
-    <p:sldId id="260" r:id="rId2"/>
-    <p:sldId id="259" r:id="rId3"/>
-    <p:sldId id="262" r:id="rId4"/>
-    <p:sldId id="263" r:id="rId5"/>
-    <p:sldId id="264" r:id="rId6"/>
-    <p:sldId id="265" r:id="rId7"/>
-    <p:sldId id="266" r:id="rId8"/>
-    <p:sldId id="268" r:id="rId9"/>
-    <p:sldId id="269" r:id="rId10"/>
-    <p:sldId id="270" r:id="rId11"/>
-    <p:sldId id="271" r:id="rId12"/>
-    <p:sldId id="272" r:id="rId13"/>
-    <p:sldId id="273" r:id="rId14"/>
-    <p:sldId id="274" r:id="rId15"/>
-    <p:sldId id="275" r:id="rId16"/>
-    <p:sldId id="276" r:id="rId17"/>
-    <p:sldId id="277" r:id="rId18"/>
-    <p:sldId id="282" r:id="rId19"/>
-    <p:sldId id="278" r:id="rId20"/>
-    <p:sldId id="279" r:id="rId21"/>
-    <p:sldId id="280" r:id="rId22"/>
-    <p:sldId id="281" r:id="rId23"/>
+    <p:sldId id="286" r:id="rId2"/>
+    <p:sldId id="287" r:id="rId3"/>
+    <p:sldId id="288" r:id="rId4"/>
+    <p:sldId id="262" r:id="rId5"/>
+    <p:sldId id="263" r:id="rId6"/>
+    <p:sldId id="264" r:id="rId7"/>
+    <p:sldId id="265" r:id="rId8"/>
+    <p:sldId id="266" r:id="rId9"/>
+    <p:sldId id="268" r:id="rId10"/>
+    <p:sldId id="269" r:id="rId11"/>
+    <p:sldId id="270" r:id="rId12"/>
+    <p:sldId id="271" r:id="rId13"/>
+    <p:sldId id="272" r:id="rId14"/>
+    <p:sldId id="273" r:id="rId15"/>
+    <p:sldId id="274" r:id="rId16"/>
+    <p:sldId id="275" r:id="rId17"/>
+    <p:sldId id="276" r:id="rId18"/>
+    <p:sldId id="277" r:id="rId19"/>
+    <p:sldId id="282" r:id="rId20"/>
+    <p:sldId id="278" r:id="rId21"/>
+    <p:sldId id="279" r:id="rId22"/>
+    <p:sldId id="280" r:id="rId23"/>
+    <p:sldId id="281" r:id="rId24"/>
+    <p:sldId id="285" r:id="rId25"/>
+    <p:sldId id="284" r:id="rId26"/>
   </p:sldIdLst>
   <p:sldSz cx="9144000" cy="6858000" type="screen4x3"/>
   <p:notesSz cx="6858000" cy="9144000"/>
@@ -310,7 +313,7 @@
             <a:fld id="{01B41F80-CB50-44AE-8443-B6A662D174DC}" type="datetimeFigureOut">
               <a:rPr lang="en-US" smtClean="0"/>
               <a:pPr/>
-              <a:t>11/8/2019</a:t>
+              <a:t>11/13/2019</a:t>
             </a:fld>
             <a:endParaRPr lang="en-US"/>
           </a:p>
@@ -477,7 +480,7 @@
             <a:fld id="{01B41F80-CB50-44AE-8443-B6A662D174DC}" type="datetimeFigureOut">
               <a:rPr lang="en-US" smtClean="0"/>
               <a:pPr/>
-              <a:t>11/8/2019</a:t>
+              <a:t>11/13/2019</a:t>
             </a:fld>
             <a:endParaRPr lang="en-US"/>
           </a:p>
@@ -654,7 +657,7 @@
             <a:fld id="{01B41F80-CB50-44AE-8443-B6A662D174DC}" type="datetimeFigureOut">
               <a:rPr lang="en-US" smtClean="0"/>
               <a:pPr/>
-              <a:t>11/8/2019</a:t>
+              <a:t>11/13/2019</a:t>
             </a:fld>
             <a:endParaRPr lang="en-US"/>
           </a:p>
@@ -704,6 +707,426 @@
         </p:txBody>
       </p:sp>
     </p:spTree>
+  </p:cSld>
+  <p:clrMapOvr>
+    <a:masterClrMapping/>
+  </p:clrMapOvr>
+</p:sldLayout>
+</file>
+
+<file path=ppt/slideLayouts/slideLayout12.xml><?xml version="1.0" encoding="utf-8"?>
+<p:sldLayout xmlns:a="http://schemas.openxmlformats.org/drawingml/2006/main" xmlns:r="http://schemas.openxmlformats.org/officeDocument/2006/relationships" xmlns:p="http://schemas.openxmlformats.org/presentationml/2006/main" userDrawn="1">
+  <p:cSld name="End slide layout">
+    <p:bg>
+      <p:bgPr>
+        <a:blipFill dpi="0" rotWithShape="1">
+          <a:blip r:embed="rId2">
+            <a:lum/>
+          </a:blip>
+          <a:srcRect/>
+          <a:stretch>
+            <a:fillRect/>
+          </a:stretch>
+        </a:blipFill>
+        <a:effectLst/>
+      </p:bgPr>
+    </p:bg>
+    <p:spTree>
+      <p:nvGrpSpPr>
+        <p:cNvPr id="1" name=""/>
+        <p:cNvGrpSpPr/>
+        <p:nvPr/>
+      </p:nvGrpSpPr>
+      <p:grpSpPr>
+        <a:xfrm>
+          <a:off x="0" y="0"/>
+          <a:ext cx="0" cy="0"/>
+          <a:chOff x="0" y="0"/>
+          <a:chExt cx="0" cy="0"/>
+        </a:xfrm>
+      </p:grpSpPr>
+      <p:sp>
+        <p:nvSpPr>
+          <p:cNvPr id="2" name="Graphic 2">
+            <a:extLst>
+              <a:ext uri="{FF2B5EF4-FFF2-40B4-BE49-F238E27FC236}">
+                <a16:creationId xmlns="" xmlns:a16="http://schemas.microsoft.com/office/drawing/2014/main" id="{C6032FB9-BC74-4D22-9490-C57A3761EB46}"/>
+              </a:ext>
+            </a:extLst>
+          </p:cNvPr>
+          <p:cNvSpPr/>
+          <p:nvPr userDrawn="1"/>
+        </p:nvSpPr>
+        <p:spPr>
+          <a:xfrm flipH="1">
+            <a:off x="2995741" y="809154"/>
+            <a:ext cx="3320837" cy="5323880"/>
+          </a:xfrm>
+          <a:custGeom>
+            <a:avLst/>
+            <a:gdLst>
+              <a:gd name="connsiteX0" fmla="*/ 198332 w 800100"/>
+              <a:gd name="connsiteY0" fmla="*/ 961703 h 962025"/>
+              <a:gd name="connsiteX1" fmla="*/ 646959 w 800100"/>
+              <a:gd name="connsiteY1" fmla="*/ 961703 h 962025"/>
+              <a:gd name="connsiteX2" fmla="*/ 610764 w 800100"/>
+              <a:gd name="connsiteY2" fmla="*/ 885503 h 962025"/>
+              <a:gd name="connsiteX3" fmla="*/ 686964 w 800100"/>
+              <a:gd name="connsiteY3" fmla="*/ 625471 h 962025"/>
+              <a:gd name="connsiteX4" fmla="*/ 786024 w 800100"/>
+              <a:gd name="connsiteY4" fmla="*/ 283523 h 962025"/>
+              <a:gd name="connsiteX5" fmla="*/ 359304 w 800100"/>
+              <a:gd name="connsiteY5" fmla="*/ 14918 h 962025"/>
+              <a:gd name="connsiteX6" fmla="*/ 124037 w 800100"/>
+              <a:gd name="connsiteY6" fmla="*/ 211133 h 962025"/>
+              <a:gd name="connsiteX7" fmla="*/ 116417 w 800100"/>
+              <a:gd name="connsiteY7" fmla="*/ 270188 h 962025"/>
+              <a:gd name="connsiteX8" fmla="*/ 59267 w 800100"/>
+              <a:gd name="connsiteY8" fmla="*/ 367343 h 962025"/>
+              <a:gd name="connsiteX9" fmla="*/ 13547 w 800100"/>
+              <a:gd name="connsiteY9" fmla="*/ 427351 h 962025"/>
+              <a:gd name="connsiteX10" fmla="*/ 24024 w 800100"/>
+              <a:gd name="connsiteY10" fmla="*/ 515933 h 962025"/>
+              <a:gd name="connsiteX11" fmla="*/ 63077 w 800100"/>
+              <a:gd name="connsiteY11" fmla="*/ 552128 h 962025"/>
+              <a:gd name="connsiteX12" fmla="*/ 18309 w 800100"/>
+              <a:gd name="connsiteY12" fmla="*/ 570226 h 962025"/>
+              <a:gd name="connsiteX13" fmla="*/ 30692 w 800100"/>
+              <a:gd name="connsiteY13" fmla="*/ 609278 h 962025"/>
+              <a:gd name="connsiteX14" fmla="*/ 29739 w 800100"/>
+              <a:gd name="connsiteY14" fmla="*/ 673096 h 962025"/>
+              <a:gd name="connsiteX15" fmla="*/ 85937 w 800100"/>
+              <a:gd name="connsiteY15" fmla="*/ 744533 h 962025"/>
+              <a:gd name="connsiteX16" fmla="*/ 225002 w 800100"/>
+              <a:gd name="connsiteY16" fmla="*/ 764536 h 962025"/>
+              <a:gd name="connsiteX17" fmla="*/ 198332 w 800100"/>
+              <a:gd name="connsiteY17" fmla="*/ 961703 h 962025"/>
+            </a:gdLst>
+            <a:ahLst/>
+            <a:cxnLst>
+              <a:cxn ang="0">
+                <a:pos x="connsiteX0" y="connsiteY0"/>
+              </a:cxn>
+              <a:cxn ang="0">
+                <a:pos x="connsiteX1" y="connsiteY1"/>
+              </a:cxn>
+              <a:cxn ang="0">
+                <a:pos x="connsiteX2" y="connsiteY2"/>
+              </a:cxn>
+              <a:cxn ang="0">
+                <a:pos x="connsiteX3" y="connsiteY3"/>
+              </a:cxn>
+              <a:cxn ang="0">
+                <a:pos x="connsiteX4" y="connsiteY4"/>
+              </a:cxn>
+              <a:cxn ang="0">
+                <a:pos x="connsiteX5" y="connsiteY5"/>
+              </a:cxn>
+              <a:cxn ang="0">
+                <a:pos x="connsiteX6" y="connsiteY6"/>
+              </a:cxn>
+              <a:cxn ang="0">
+                <a:pos x="connsiteX7" y="connsiteY7"/>
+              </a:cxn>
+              <a:cxn ang="0">
+                <a:pos x="connsiteX8" y="connsiteY8"/>
+              </a:cxn>
+              <a:cxn ang="0">
+                <a:pos x="connsiteX9" y="connsiteY9"/>
+              </a:cxn>
+              <a:cxn ang="0">
+                <a:pos x="connsiteX10" y="connsiteY10"/>
+              </a:cxn>
+              <a:cxn ang="0">
+                <a:pos x="connsiteX11" y="connsiteY11"/>
+              </a:cxn>
+              <a:cxn ang="0">
+                <a:pos x="connsiteX12" y="connsiteY12"/>
+              </a:cxn>
+              <a:cxn ang="0">
+                <a:pos x="connsiteX13" y="connsiteY13"/>
+              </a:cxn>
+              <a:cxn ang="0">
+                <a:pos x="connsiteX14" y="connsiteY14"/>
+              </a:cxn>
+              <a:cxn ang="0">
+                <a:pos x="connsiteX15" y="connsiteY15"/>
+              </a:cxn>
+              <a:cxn ang="0">
+                <a:pos x="connsiteX16" y="connsiteY16"/>
+              </a:cxn>
+              <a:cxn ang="0">
+                <a:pos x="connsiteX17" y="connsiteY17"/>
+              </a:cxn>
+            </a:cxnLst>
+            <a:rect l="l" t="t" r="r" b="b"/>
+            <a:pathLst>
+              <a:path w="800100" h="962025">
+                <a:moveTo>
+                  <a:pt x="198332" y="961703"/>
+                </a:moveTo>
+                <a:lnTo>
+                  <a:pt x="646959" y="961703"/>
+                </a:lnTo>
+                <a:cubicBezTo>
+                  <a:pt x="633624" y="935986"/>
+                  <a:pt x="619337" y="903601"/>
+                  <a:pt x="610764" y="885503"/>
+                </a:cubicBezTo>
+                <a:cubicBezTo>
+                  <a:pt x="586952" y="829306"/>
+                  <a:pt x="604097" y="706433"/>
+                  <a:pt x="686964" y="625471"/>
+                </a:cubicBezTo>
+                <a:cubicBezTo>
+                  <a:pt x="766022" y="548318"/>
+                  <a:pt x="817457" y="398776"/>
+                  <a:pt x="786024" y="283523"/>
+                </a:cubicBezTo>
+                <a:cubicBezTo>
+                  <a:pt x="734589" y="93023"/>
+                  <a:pt x="563139" y="-25087"/>
+                  <a:pt x="359304" y="14918"/>
+                </a:cubicBezTo>
+                <a:cubicBezTo>
+                  <a:pt x="359304" y="14918"/>
+                  <a:pt x="183092" y="36826"/>
+                  <a:pt x="124037" y="211133"/>
+                </a:cubicBezTo>
+                <a:cubicBezTo>
+                  <a:pt x="124037" y="211133"/>
+                  <a:pt x="114512" y="236851"/>
+                  <a:pt x="116417" y="270188"/>
+                </a:cubicBezTo>
+                <a:cubicBezTo>
+                  <a:pt x="121179" y="323528"/>
+                  <a:pt x="83079" y="354961"/>
+                  <a:pt x="59267" y="367343"/>
+                </a:cubicBezTo>
+                <a:cubicBezTo>
+                  <a:pt x="34502" y="380678"/>
+                  <a:pt x="-9313" y="402586"/>
+                  <a:pt x="13547" y="427351"/>
+                </a:cubicBezTo>
+                <a:cubicBezTo>
+                  <a:pt x="41169" y="457831"/>
+                  <a:pt x="39264" y="496883"/>
+                  <a:pt x="24024" y="515933"/>
+                </a:cubicBezTo>
+                <a:cubicBezTo>
+                  <a:pt x="4974" y="538793"/>
+                  <a:pt x="60219" y="539746"/>
+                  <a:pt x="63077" y="552128"/>
+                </a:cubicBezTo>
+                <a:cubicBezTo>
+                  <a:pt x="65934" y="565463"/>
+                  <a:pt x="22119" y="554986"/>
+                  <a:pt x="18309" y="570226"/>
+                </a:cubicBezTo>
+                <a:cubicBezTo>
+                  <a:pt x="14499" y="586418"/>
+                  <a:pt x="26882" y="590228"/>
+                  <a:pt x="30692" y="609278"/>
+                </a:cubicBezTo>
+                <a:cubicBezTo>
+                  <a:pt x="34502" y="628328"/>
+                  <a:pt x="31644" y="663571"/>
+                  <a:pt x="29739" y="673096"/>
+                </a:cubicBezTo>
+                <a:cubicBezTo>
+                  <a:pt x="27834" y="682621"/>
+                  <a:pt x="33549" y="739771"/>
+                  <a:pt x="85937" y="744533"/>
+                </a:cubicBezTo>
+                <a:cubicBezTo>
+                  <a:pt x="138324" y="749296"/>
+                  <a:pt x="204047" y="738818"/>
+                  <a:pt x="225002" y="764536"/>
+                </a:cubicBezTo>
+                <a:cubicBezTo>
+                  <a:pt x="244052" y="790253"/>
+                  <a:pt x="222144" y="890266"/>
+                  <a:pt x="198332" y="961703"/>
+                </a:cubicBezTo>
+                <a:close/>
+              </a:path>
+            </a:pathLst>
+          </a:custGeom>
+          <a:solidFill>
+            <a:schemeClr val="bg1"/>
+          </a:solidFill>
+          <a:ln w="9525" cap="flat">
+            <a:noFill/>
+            <a:prstDash val="solid"/>
+            <a:miter/>
+          </a:ln>
+        </p:spPr>
+        <p:txBody>
+          <a:bodyPr rtlCol="0" anchor="ctr"/>
+          <a:lstStyle/>
+          <a:p>
+            <a:endParaRPr lang="en-US"/>
+          </a:p>
+        </p:txBody>
+      </p:sp>
+    </p:spTree>
+    <p:extLst>
+      <p:ext uri="{BB962C8B-B14F-4D97-AF65-F5344CB8AC3E}">
+        <p14:creationId xmlns="" xmlns:p14="http://schemas.microsoft.com/office/powerpoint/2010/main" val="2395023768"/>
+      </p:ext>
+    </p:extLst>
+  </p:cSld>
+  <p:clrMapOvr>
+    <a:masterClrMapping/>
+  </p:clrMapOvr>
+</p:sldLayout>
+</file>
+
+<file path=ppt/slideLayouts/slideLayout13.xml><?xml version="1.0" encoding="utf-8"?>
+<p:sldLayout xmlns:a="http://schemas.openxmlformats.org/drawingml/2006/main" xmlns:r="http://schemas.openxmlformats.org/officeDocument/2006/relationships" xmlns:p="http://schemas.openxmlformats.org/presentationml/2006/main" userDrawn="1">
+  <p:cSld name="Cover slide layout">
+    <p:bg>
+      <p:bgPr>
+        <a:blipFill dpi="0" rotWithShape="1">
+          <a:blip r:embed="rId2">
+            <a:lum/>
+          </a:blip>
+          <a:srcRect/>
+          <a:stretch>
+            <a:fillRect/>
+          </a:stretch>
+        </a:blipFill>
+        <a:effectLst/>
+      </p:bgPr>
+    </p:bg>
+    <p:spTree>
+      <p:nvGrpSpPr>
+        <p:cNvPr id="1" name=""/>
+        <p:cNvGrpSpPr/>
+        <p:nvPr/>
+      </p:nvGrpSpPr>
+      <p:grpSpPr>
+        <a:xfrm>
+          <a:off x="0" y="0"/>
+          <a:ext cx="0" cy="0"/>
+          <a:chOff x="0" y="0"/>
+          <a:chExt cx="0" cy="0"/>
+        </a:xfrm>
+      </p:grpSpPr>
+      <p:sp>
+        <p:nvSpPr>
+          <p:cNvPr id="220" name="Rectangle 219">
+            <a:extLst>
+              <a:ext uri="{FF2B5EF4-FFF2-40B4-BE49-F238E27FC236}">
+                <a16:creationId xmlns="" xmlns:a16="http://schemas.microsoft.com/office/drawing/2014/main" id="{E970CBB1-3F25-44EF-A6B8-2219DE80F1E6}"/>
+              </a:ext>
+            </a:extLst>
+          </p:cNvPr>
+          <p:cNvSpPr/>
+          <p:nvPr userDrawn="1"/>
+        </p:nvSpPr>
+        <p:spPr>
+          <a:xfrm>
+            <a:off x="0" y="0"/>
+            <a:ext cx="9144000" cy="6858000"/>
+          </a:xfrm>
+          <a:prstGeom prst="rect">
+            <a:avLst/>
+          </a:prstGeom>
+          <a:solidFill>
+            <a:schemeClr val="accent1">
+              <a:alpha val="56000"/>
+            </a:schemeClr>
+          </a:solidFill>
+          <a:ln>
+            <a:noFill/>
+          </a:ln>
+        </p:spPr>
+        <p:style>
+          <a:lnRef idx="2">
+            <a:schemeClr val="accent1">
+              <a:shade val="50000"/>
+            </a:schemeClr>
+          </a:lnRef>
+          <a:fillRef idx="1">
+            <a:schemeClr val="accent1"/>
+          </a:fillRef>
+          <a:effectRef idx="0">
+            <a:schemeClr val="accent1"/>
+          </a:effectRef>
+          <a:fontRef idx="minor">
+            <a:schemeClr val="lt1"/>
+          </a:fontRef>
+        </p:style>
+        <p:txBody>
+          <a:bodyPr rtlCol="0" anchor="ctr"/>
+          <a:lstStyle/>
+          <a:p>
+            <a:pPr algn="ctr"/>
+            <a:endParaRPr lang="en-US"/>
+          </a:p>
+        </p:txBody>
+      </p:sp>
+      <p:sp>
+        <p:nvSpPr>
+          <p:cNvPr id="221" name="Arc 220">
+            <a:extLst>
+              <a:ext uri="{FF2B5EF4-FFF2-40B4-BE49-F238E27FC236}">
+                <a16:creationId xmlns="" xmlns:a16="http://schemas.microsoft.com/office/drawing/2014/main" id="{32E2B889-41FC-4724-93F6-48A4DEF90230}"/>
+              </a:ext>
+            </a:extLst>
+          </p:cNvPr>
+          <p:cNvSpPr/>
+          <p:nvPr userDrawn="1"/>
+        </p:nvSpPr>
+        <p:spPr>
+          <a:xfrm>
+            <a:off x="6226342" y="-866273"/>
+            <a:ext cx="3050005" cy="4066673"/>
+          </a:xfrm>
+          <a:prstGeom prst="arc">
+            <a:avLst>
+              <a:gd name="adj1" fmla="val 1409913"/>
+              <a:gd name="adj2" fmla="val 12880072"/>
+            </a:avLst>
+          </a:prstGeom>
+          <a:ln w="19050">
+            <a:solidFill>
+              <a:schemeClr val="bg1">
+                <a:alpha val="12000"/>
+              </a:schemeClr>
+            </a:solidFill>
+          </a:ln>
+        </p:spPr>
+        <p:style>
+          <a:lnRef idx="1">
+            <a:schemeClr val="accent1"/>
+          </a:lnRef>
+          <a:fillRef idx="0">
+            <a:schemeClr val="accent1"/>
+          </a:fillRef>
+          <a:effectRef idx="0">
+            <a:schemeClr val="accent1"/>
+          </a:effectRef>
+          <a:fontRef idx="minor">
+            <a:schemeClr val="tx1"/>
+          </a:fontRef>
+        </p:style>
+        <p:txBody>
+          <a:bodyPr rtlCol="0" anchor="ctr"/>
+          <a:lstStyle/>
+          <a:p>
+            <a:pPr algn="ctr"/>
+            <a:endParaRPr lang="en-US"/>
+          </a:p>
+        </p:txBody>
+      </p:sp>
+    </p:spTree>
+    <p:extLst>
+      <p:ext uri="{BB962C8B-B14F-4D97-AF65-F5344CB8AC3E}">
+        <p14:creationId xmlns="" xmlns:p14="http://schemas.microsoft.com/office/powerpoint/2010/main" val="936750200"/>
+      </p:ext>
+    </p:extLst>
   </p:cSld>
   <p:clrMapOvr>
     <a:masterClrMapping/>
@@ -821,7 +1244,7 @@
             <a:fld id="{01B41F80-CB50-44AE-8443-B6A662D174DC}" type="datetimeFigureOut">
               <a:rPr lang="en-US" smtClean="0"/>
               <a:pPr/>
-              <a:t>11/8/2019</a:t>
+              <a:t>11/13/2019</a:t>
             </a:fld>
             <a:endParaRPr lang="en-US"/>
           </a:p>
@@ -1064,7 +1487,7 @@
             <a:fld id="{01B41F80-CB50-44AE-8443-B6A662D174DC}" type="datetimeFigureOut">
               <a:rPr lang="en-US" smtClean="0"/>
               <a:pPr/>
-              <a:t>11/8/2019</a:t>
+              <a:t>11/13/2019</a:t>
             </a:fld>
             <a:endParaRPr lang="en-US"/>
           </a:p>
@@ -1349,7 +1772,7 @@
             <a:fld id="{01B41F80-CB50-44AE-8443-B6A662D174DC}" type="datetimeFigureOut">
               <a:rPr lang="en-US" smtClean="0"/>
               <a:pPr/>
-              <a:t>11/8/2019</a:t>
+              <a:t>11/13/2019</a:t>
             </a:fld>
             <a:endParaRPr lang="en-US"/>
           </a:p>
@@ -1768,7 +2191,7 @@
             <a:fld id="{01B41F80-CB50-44AE-8443-B6A662D174DC}" type="datetimeFigureOut">
               <a:rPr lang="en-US" smtClean="0"/>
               <a:pPr/>
-              <a:t>11/8/2019</a:t>
+              <a:t>11/13/2019</a:t>
             </a:fld>
             <a:endParaRPr lang="en-US"/>
           </a:p>
@@ -1883,7 +2306,7 @@
             <a:fld id="{01B41F80-CB50-44AE-8443-B6A662D174DC}" type="datetimeFigureOut">
               <a:rPr lang="en-US" smtClean="0"/>
               <a:pPr/>
-              <a:t>11/8/2019</a:t>
+              <a:t>11/13/2019</a:t>
             </a:fld>
             <a:endParaRPr lang="en-US"/>
           </a:p>
@@ -1975,7 +2398,7 @@
             <a:fld id="{01B41F80-CB50-44AE-8443-B6A662D174DC}" type="datetimeFigureOut">
               <a:rPr lang="en-US" smtClean="0"/>
               <a:pPr/>
-              <a:t>11/8/2019</a:t>
+              <a:t>11/13/2019</a:t>
             </a:fld>
             <a:endParaRPr lang="en-US"/>
           </a:p>
@@ -2249,7 +2672,7 @@
             <a:fld id="{01B41F80-CB50-44AE-8443-B6A662D174DC}" type="datetimeFigureOut">
               <a:rPr lang="en-US" smtClean="0"/>
               <a:pPr/>
-              <a:t>11/8/2019</a:t>
+              <a:t>11/13/2019</a:t>
             </a:fld>
             <a:endParaRPr lang="en-US"/>
           </a:p>
@@ -2499,7 +2922,7 @@
             <a:fld id="{01B41F80-CB50-44AE-8443-B6A662D174DC}" type="datetimeFigureOut">
               <a:rPr lang="en-US" smtClean="0"/>
               <a:pPr/>
-              <a:t>11/8/2019</a:t>
+              <a:t>11/13/2019</a:t>
             </a:fld>
             <a:endParaRPr lang="en-US"/>
           </a:p>
@@ -2709,7 +3132,7 @@
             <a:fld id="{01B41F80-CB50-44AE-8443-B6A662D174DC}" type="datetimeFigureOut">
               <a:rPr lang="en-US" smtClean="0"/>
               <a:pPr/>
-              <a:t>11/8/2019</a:t>
+              <a:t>11/13/2019</a:t>
             </a:fld>
             <a:endParaRPr lang="en-US"/>
           </a:p>
@@ -2809,6 +3232,8 @@
     <p:sldLayoutId id="2147483657" r:id="rId9"/>
     <p:sldLayoutId id="2147483658" r:id="rId10"/>
     <p:sldLayoutId id="2147483659" r:id="rId11"/>
+    <p:sldLayoutId id="2147483660" r:id="rId12"/>
+    <p:sldLayoutId id="2147483661" r:id="rId13"/>
   </p:sldLayoutIdLst>
   <p:txStyles>
     <p:titleStyle>
@@ -3082,15 +3507,20 @@
       </p:grpSpPr>
       <p:sp>
         <p:nvSpPr>
-          <p:cNvPr id="2" name="Title 1"/>
-          <p:cNvSpPr>
-            <a:spLocks noGrp="1"/>
-          </p:cNvSpPr>
-          <p:nvPr>
-            <p:ph type="title"/>
-          </p:nvPr>
+          <p:cNvPr id="238" name="Title 1"/>
+          <p:cNvSpPr txBox="1">
+            <a:spLocks/>
+          </p:cNvSpPr>
+          <p:nvPr/>
         </p:nvSpPr>
         <p:spPr>
+          <a:xfrm>
+            <a:off x="457200" y="274638"/>
+            <a:ext cx="8229600" cy="1143000"/>
+          </a:xfrm>
+          <a:prstGeom prst="rect">
+            <a:avLst/>
+          </a:prstGeom>
           <a:ln>
             <a:noFill/>
           </a:ln>
@@ -3101,48 +3531,60 @@
           </a:bodyPr>
           <a:lstStyle/>
           <a:p>
-            <a:r>
-              <a:rPr lang="en-US" dirty="0">
+            <a:pPr marL="0" marR="0" lvl="0" indent="0" algn="ctr" defTabSz="914400" rtl="0" eaLnBrk="1" fontAlgn="auto" latinLnBrk="0" hangingPunct="1">
+              <a:lnSpc>
+                <a:spcPct val="100000"/>
+              </a:lnSpc>
+              <a:spcBef>
+                <a:spcPct val="0"/>
+              </a:spcBef>
+              <a:spcAft>
+                <a:spcPts val="0"/>
+              </a:spcAft>
+              <a:buClrTx/>
+              <a:buSzTx/>
+              <a:buFontTx/>
+              <a:buNone/>
+              <a:tabLst/>
+              <a:defRPr/>
+            </a:pPr>
+            <a:r>
+              <a:rPr kumimoji="0" lang="en-US" sz="4400" b="0" i="0" u="none" strike="noStrike" kern="1200" cap="none" spc="0" normalizeH="0" baseline="0" noProof="0" dirty="0" smtClean="0">
+                <a:ln>
+                  <a:noFill/>
+                </a:ln>
                 <a:solidFill>
-                  <a:schemeClr val="accent1"/>
+                  <a:schemeClr val="bg1"/>
                 </a:solidFill>
+                <a:effectLst/>
+                <a:uLnTx/>
+                <a:uFillTx/>
+                <a:latin typeface="+mj-lt"/>
+                <a:ea typeface="+mj-ea"/>
+                <a:cs typeface="+mj-cs"/>
               </a:rPr>
               <a:t>Welcome</a:t>
             </a:r>
-          </a:p>
-        </p:txBody>
-      </p:sp>
-      <p:pic>
-        <p:nvPicPr>
-          <p:cNvPr id="3077" name="Picture 5" descr="C:\Users\hi\Downloads\IMG-20191022-WA0015.jpg"/>
-          <p:cNvPicPr>
-            <a:picLocks noGrp="1" noChangeAspect="1" noChangeArrowheads="1"/>
-          </p:cNvPicPr>
-          <p:nvPr>
-            <p:ph idx="1"/>
-          </p:nvPr>
-        </p:nvPicPr>
-        <p:blipFill>
-          <a:blip r:embed="rId2"/>
-          <a:srcRect/>
-          <a:stretch>
-            <a:fillRect/>
-          </a:stretch>
-        </p:blipFill>
-        <p:spPr bwMode="auto">
-          <a:xfrm>
-            <a:off x="543326" y="1600200"/>
-            <a:ext cx="8057347" cy="4525963"/>
-          </a:xfrm>
-          <a:prstGeom prst="rect">
-            <a:avLst/>
-          </a:prstGeom>
-          <a:noFill/>
-        </p:spPr>
-      </p:pic>
+            <a:endParaRPr kumimoji="0" lang="en-US" sz="4400" b="0" i="0" u="none" strike="noStrike" kern="1200" cap="none" spc="0" normalizeH="0" baseline="0" noProof="0" dirty="0">
+              <a:ln>
+                <a:noFill/>
+              </a:ln>
+              <a:solidFill>
+                <a:schemeClr val="bg1"/>
+              </a:solidFill>
+              <a:effectLst/>
+              <a:uLnTx/>
+              <a:uFillTx/>
+              <a:latin typeface="+mj-lt"/>
+              <a:ea typeface="+mj-ea"/>
+              <a:cs typeface="+mj-cs"/>
+            </a:endParaRPr>
+          </a:p>
+        </p:txBody>
+      </p:sp>
       <p:cxnSp>
         <p:nvCxnSpPr>
-          <p:cNvPr id="11" name="Straight Connector 10"/>
+          <p:cNvPr id="240" name="Straight Connector 239"/>
           <p:cNvCxnSpPr/>
           <p:nvPr/>
         </p:nvCxnSpPr>
@@ -3172,7 +3614,40 @@
       </p:cxnSp>
       <p:pic>
         <p:nvPicPr>
-          <p:cNvPr id="3083" name="Picture 11"/>
+          <p:cNvPr id="1026" name="Picture 2"/>
+          <p:cNvPicPr>
+            <a:picLocks noChangeAspect="1" noChangeArrowheads="1"/>
+          </p:cNvPicPr>
+          <p:nvPr/>
+        </p:nvPicPr>
+        <p:blipFill>
+          <a:blip r:embed="rId2"/>
+          <a:srcRect/>
+          <a:stretch>
+            <a:fillRect/>
+          </a:stretch>
+        </p:blipFill>
+        <p:spPr bwMode="auto">
+          <a:xfrm>
+            <a:off x="381000" y="2133600"/>
+            <a:ext cx="7715250" cy="1866900"/>
+          </a:xfrm>
+          <a:prstGeom prst="rect">
+            <a:avLst/>
+          </a:prstGeom>
+          <a:noFill/>
+          <a:ln w="9525">
+            <a:noFill/>
+            <a:miter lim="800000"/>
+            <a:headEnd/>
+            <a:tailEnd/>
+          </a:ln>
+          <a:effectLst/>
+        </p:spPr>
+      </p:pic>
+      <p:pic>
+        <p:nvPicPr>
+          <p:cNvPr id="6" name="Picture 9" descr="C:\Users\hi\Desktop\1.png"/>
           <p:cNvPicPr>
             <a:picLocks noChangeAspect="1" noChangeArrowheads="1"/>
           </p:cNvPicPr>
@@ -3187,23 +3662,47 @@
         </p:blipFill>
         <p:spPr bwMode="auto">
           <a:xfrm>
-            <a:off x="6819900" y="5867400"/>
-            <a:ext cx="2324100" cy="990600"/>
+            <a:off x="7772400" y="5867400"/>
+            <a:ext cx="523875" cy="523875"/>
           </a:xfrm>
           <a:prstGeom prst="rect">
             <a:avLst/>
           </a:prstGeom>
           <a:noFill/>
-          <a:ln w="9525">
-            <a:noFill/>
-            <a:miter lim="800000"/>
-            <a:headEnd/>
-            <a:tailEnd/>
-          </a:ln>
-          <a:effectLst/>
+        </p:spPr>
+      </p:pic>
+      <p:pic>
+        <p:nvPicPr>
+          <p:cNvPr id="7" name="Picture 10" descr="C:\Users\hi\Desktop\2.png"/>
+          <p:cNvPicPr>
+            <a:picLocks noChangeAspect="1" noChangeArrowheads="1"/>
+          </p:cNvPicPr>
+          <p:nvPr/>
+        </p:nvPicPr>
+        <p:blipFill>
+          <a:blip r:embed="rId4"/>
+          <a:srcRect/>
+          <a:stretch>
+            <a:fillRect/>
+          </a:stretch>
+        </p:blipFill>
+        <p:spPr bwMode="auto">
+          <a:xfrm>
+            <a:off x="6096000" y="6353175"/>
+            <a:ext cx="2324100" cy="504825"/>
+          </a:xfrm>
+          <a:prstGeom prst="rect">
+            <a:avLst/>
+          </a:prstGeom>
+          <a:noFill/>
         </p:spPr>
       </p:pic>
     </p:spTree>
+    <p:extLst>
+      <p:ext uri="{BB962C8B-B14F-4D97-AF65-F5344CB8AC3E}">
+        <p14:creationId xmlns:p14="http://schemas.microsoft.com/office/powerpoint/2010/main" xmlns="" val="4032476198"/>
+      </p:ext>
+    </p:extLst>
   </p:cSld>
   <p:clrMapOvr>
     <a:masterClrMapping/>
@@ -3349,7 +3848,7 @@
                   </a:schemeClr>
                 </a:solidFill>
               </a:rPr>
-              <a:t>Finish Uninstall</a:t>
+              <a:t>Click on Uninstall</a:t>
             </a:r>
           </a:p>
           <a:p>
@@ -3359,7 +3858,7 @@
       </p:sp>
       <p:pic>
         <p:nvPicPr>
-          <p:cNvPr id="8194" name="Picture 2"/>
+          <p:cNvPr id="7170" name="Picture 2"/>
           <p:cNvPicPr>
             <a:picLocks noChangeAspect="1" noChangeArrowheads="1"/>
           </p:cNvPicPr>
@@ -3374,8 +3873,8 @@
         </p:blipFill>
         <p:spPr bwMode="auto">
           <a:xfrm>
-            <a:off x="838200" y="2209800"/>
-            <a:ext cx="6372225" cy="3990975"/>
+            <a:off x="838200" y="2133600"/>
+            <a:ext cx="6419850" cy="3962400"/>
           </a:xfrm>
           <a:prstGeom prst="rect">
             <a:avLst/>
@@ -3439,105 +3938,9 @@
           <a:p>
             <a:r>
               <a:rPr lang="en-US" dirty="0" smtClean="0"/>
-              <a:t>Anaconda Installation</a:t>
+              <a:t>Python Un-Installation</a:t>
             </a:r>
             <a:endParaRPr lang="en-US" dirty="0"/>
-          </a:p>
-        </p:txBody>
-      </p:sp>
-      <p:sp>
-        <p:nvSpPr>
-          <p:cNvPr id="3" name="Content Placeholder 2"/>
-          <p:cNvSpPr>
-            <a:spLocks noGrp="1"/>
-          </p:cNvSpPr>
-          <p:nvPr>
-            <p:ph idx="1"/>
-          </p:nvPr>
-        </p:nvSpPr>
-        <p:spPr/>
-        <p:txBody>
-          <a:bodyPr>
-            <a:normAutofit/>
-          </a:bodyPr>
-          <a:lstStyle/>
-          <a:p>
-            <a:r>
-              <a:rPr lang="en-US" sz="2000" dirty="0" smtClean="0"/>
-              <a:t>Go to : </a:t>
-            </a:r>
-            <a:r>
-              <a:rPr lang="en-US" sz="2000" dirty="0" smtClean="0">
-                <a:hlinkClick r:id="rId2"/>
-              </a:rPr>
-              <a:t>https://www.anaconda.com/distribution/#download-section</a:t>
-            </a:r>
-            <a:endParaRPr lang="en-US" sz="2000" dirty="0" smtClean="0"/>
-          </a:p>
-          <a:p>
-            <a:r>
-              <a:rPr lang="en-US" sz="2000" dirty="0" smtClean="0">
-                <a:solidFill>
-                  <a:schemeClr val="tx2">
-                    <a:lumMod val="75000"/>
-                  </a:schemeClr>
-                </a:solidFill>
-              </a:rPr>
-              <a:t>Download latest </a:t>
-            </a:r>
-            <a:r>
-              <a:rPr lang="en-US" sz="2000" dirty="0" err="1" smtClean="0">
-                <a:solidFill>
-                  <a:schemeClr val="tx2">
-                    <a:lumMod val="75000"/>
-                  </a:schemeClr>
-                </a:solidFill>
-              </a:rPr>
-              <a:t>anaconda+python</a:t>
-            </a:r>
-            <a:r>
-              <a:rPr lang="en-US" sz="2000" dirty="0" smtClean="0">
-                <a:solidFill>
-                  <a:schemeClr val="tx2">
-                    <a:lumMod val="75000"/>
-                  </a:schemeClr>
-                </a:solidFill>
-              </a:rPr>
-              <a:t> executable</a:t>
-            </a:r>
-          </a:p>
-          <a:p>
-            <a:r>
-              <a:rPr lang="en-US" sz="2000" dirty="0" smtClean="0">
-                <a:solidFill>
-                  <a:schemeClr val="tx2">
-                    <a:lumMod val="75000"/>
-                  </a:schemeClr>
-                </a:solidFill>
-              </a:rPr>
-              <a:t>Run the executable</a:t>
-            </a:r>
-          </a:p>
-          <a:p>
-            <a:r>
-              <a:rPr lang="en-US" sz="2000" dirty="0" smtClean="0">
-                <a:solidFill>
-                  <a:schemeClr val="tx2">
-                    <a:lumMod val="75000"/>
-                  </a:schemeClr>
-                </a:solidFill>
-              </a:rPr>
-              <a:t>Follow the instructions</a:t>
-            </a:r>
-          </a:p>
-          <a:p>
-            <a:endParaRPr lang="en-US" sz="2000" dirty="0">
-              <a:solidFill>
-                <a:schemeClr val="tx2">
-                  <a:lumMod val="75000"/>
-                </a:schemeClr>
-              </a:solidFill>
-            </a:endParaRPr>
           </a:p>
         </p:txBody>
       </p:sp>
@@ -3580,6 +3983,75 @@
           <p:nvPr/>
         </p:nvPicPr>
         <p:blipFill>
+          <a:blip r:embed="rId2"/>
+          <a:srcRect/>
+          <a:stretch>
+            <a:fillRect/>
+          </a:stretch>
+        </p:blipFill>
+        <p:spPr bwMode="auto">
+          <a:xfrm>
+            <a:off x="6819900" y="5867400"/>
+            <a:ext cx="2324100" cy="990600"/>
+          </a:xfrm>
+          <a:prstGeom prst="rect">
+            <a:avLst/>
+          </a:prstGeom>
+          <a:noFill/>
+          <a:ln w="9525">
+            <a:noFill/>
+            <a:miter lim="800000"/>
+            <a:headEnd/>
+            <a:tailEnd/>
+          </a:ln>
+          <a:effectLst/>
+        </p:spPr>
+      </p:pic>
+      <p:sp>
+        <p:nvSpPr>
+          <p:cNvPr id="7" name="Content Placeholder 6"/>
+          <p:cNvSpPr>
+            <a:spLocks noGrp="1"/>
+          </p:cNvSpPr>
+          <p:nvPr>
+            <p:ph idx="1"/>
+          </p:nvPr>
+        </p:nvSpPr>
+        <p:spPr>
+          <a:xfrm>
+            <a:off x="457200" y="1600201"/>
+            <a:ext cx="8229600" cy="685800"/>
+          </a:xfrm>
+        </p:spPr>
+        <p:txBody>
+          <a:bodyPr/>
+          <a:lstStyle/>
+          <a:p>
+            <a:r>
+              <a:rPr lang="en-US" sz="2000" dirty="0" smtClean="0">
+                <a:solidFill>
+                  <a:schemeClr val="tx2">
+                    <a:lumMod val="75000"/>
+                  </a:schemeClr>
+                </a:solidFill>
+              </a:rPr>
+              <a:t>Finish Uninstall</a:t>
+            </a:r>
+          </a:p>
+          <a:p>
+            <a:endParaRPr lang="en-US" dirty="0"/>
+          </a:p>
+        </p:txBody>
+      </p:sp>
+      <p:pic>
+        <p:nvPicPr>
+          <p:cNvPr id="8194" name="Picture 2"/>
+          <p:cNvPicPr>
+            <a:picLocks noChangeAspect="1" noChangeArrowheads="1"/>
+          </p:cNvPicPr>
+          <p:nvPr/>
+        </p:nvPicPr>
+        <p:blipFill>
           <a:blip r:embed="rId3"/>
           <a:srcRect/>
           <a:stretch>
@@ -3588,8 +4060,8 @@
         </p:blipFill>
         <p:spPr bwMode="auto">
           <a:xfrm>
-            <a:off x="6819900" y="5867400"/>
-            <a:ext cx="2324100" cy="990600"/>
+            <a:off x="838200" y="2209800"/>
+            <a:ext cx="6372225" cy="3990975"/>
           </a:xfrm>
           <a:prstGeom prst="rect">
             <a:avLst/>
@@ -3659,6 +4131,102 @@
           </a:p>
         </p:txBody>
       </p:sp>
+      <p:sp>
+        <p:nvSpPr>
+          <p:cNvPr id="3" name="Content Placeholder 2"/>
+          <p:cNvSpPr>
+            <a:spLocks noGrp="1"/>
+          </p:cNvSpPr>
+          <p:nvPr>
+            <p:ph idx="1"/>
+          </p:nvPr>
+        </p:nvSpPr>
+        <p:spPr/>
+        <p:txBody>
+          <a:bodyPr>
+            <a:normAutofit/>
+          </a:bodyPr>
+          <a:lstStyle/>
+          <a:p>
+            <a:r>
+              <a:rPr lang="en-US" sz="2000" dirty="0" smtClean="0"/>
+              <a:t>Go to : </a:t>
+            </a:r>
+            <a:r>
+              <a:rPr lang="en-US" sz="2000" dirty="0" smtClean="0">
+                <a:hlinkClick r:id="rId2"/>
+              </a:rPr>
+              <a:t>https://www.anaconda.com/distribution/#download-section</a:t>
+            </a:r>
+            <a:endParaRPr lang="en-US" sz="2000" dirty="0" smtClean="0"/>
+          </a:p>
+          <a:p>
+            <a:r>
+              <a:rPr lang="en-US" sz="2000" dirty="0" smtClean="0">
+                <a:solidFill>
+                  <a:schemeClr val="tx2">
+                    <a:lumMod val="75000"/>
+                  </a:schemeClr>
+                </a:solidFill>
+              </a:rPr>
+              <a:t>Download latest </a:t>
+            </a:r>
+            <a:r>
+              <a:rPr lang="en-US" sz="2000" dirty="0" err="1" smtClean="0">
+                <a:solidFill>
+                  <a:schemeClr val="tx2">
+                    <a:lumMod val="75000"/>
+                  </a:schemeClr>
+                </a:solidFill>
+              </a:rPr>
+              <a:t>anaconda+python</a:t>
+            </a:r>
+            <a:r>
+              <a:rPr lang="en-US" sz="2000" dirty="0" smtClean="0">
+                <a:solidFill>
+                  <a:schemeClr val="tx2">
+                    <a:lumMod val="75000"/>
+                  </a:schemeClr>
+                </a:solidFill>
+              </a:rPr>
+              <a:t> executable</a:t>
+            </a:r>
+          </a:p>
+          <a:p>
+            <a:r>
+              <a:rPr lang="en-US" sz="2000" dirty="0" smtClean="0">
+                <a:solidFill>
+                  <a:schemeClr val="tx2">
+                    <a:lumMod val="75000"/>
+                  </a:schemeClr>
+                </a:solidFill>
+              </a:rPr>
+              <a:t>Run the executable</a:t>
+            </a:r>
+          </a:p>
+          <a:p>
+            <a:r>
+              <a:rPr lang="en-US" sz="2000" dirty="0" smtClean="0">
+                <a:solidFill>
+                  <a:schemeClr val="tx2">
+                    <a:lumMod val="75000"/>
+                  </a:schemeClr>
+                </a:solidFill>
+              </a:rPr>
+              <a:t>Follow the instructions</a:t>
+            </a:r>
+          </a:p>
+          <a:p>
+            <a:endParaRPr lang="en-US" sz="2000" dirty="0">
+              <a:solidFill>
+                <a:schemeClr val="tx2">
+                  <a:lumMod val="75000"/>
+                </a:schemeClr>
+              </a:solidFill>
+            </a:endParaRPr>
+          </a:p>
+        </p:txBody>
+      </p:sp>
       <p:cxnSp>
         <p:nvCxnSpPr>
           <p:cNvPr id="5" name="Straight Connector 4"/>
@@ -3698,75 +4266,6 @@
           <p:nvPr/>
         </p:nvPicPr>
         <p:blipFill>
-          <a:blip r:embed="rId2"/>
-          <a:srcRect/>
-          <a:stretch>
-            <a:fillRect/>
-          </a:stretch>
-        </p:blipFill>
-        <p:spPr bwMode="auto">
-          <a:xfrm>
-            <a:off x="6819900" y="5867400"/>
-            <a:ext cx="2324100" cy="990600"/>
-          </a:xfrm>
-          <a:prstGeom prst="rect">
-            <a:avLst/>
-          </a:prstGeom>
-          <a:noFill/>
-          <a:ln w="9525">
-            <a:noFill/>
-            <a:miter lim="800000"/>
-            <a:headEnd/>
-            <a:tailEnd/>
-          </a:ln>
-          <a:effectLst/>
-        </p:spPr>
-      </p:pic>
-      <p:sp>
-        <p:nvSpPr>
-          <p:cNvPr id="7" name="Content Placeholder 6"/>
-          <p:cNvSpPr>
-            <a:spLocks noGrp="1"/>
-          </p:cNvSpPr>
-          <p:nvPr>
-            <p:ph idx="1"/>
-          </p:nvPr>
-        </p:nvSpPr>
-        <p:spPr>
-          <a:xfrm>
-            <a:off x="457200" y="1600201"/>
-            <a:ext cx="8229600" cy="685800"/>
-          </a:xfrm>
-        </p:spPr>
-        <p:txBody>
-          <a:bodyPr/>
-          <a:lstStyle/>
-          <a:p>
-            <a:r>
-              <a:rPr lang="en-US" sz="2000" dirty="0" smtClean="0">
-                <a:solidFill>
-                  <a:schemeClr val="tx2">
-                    <a:lumMod val="75000"/>
-                  </a:schemeClr>
-                </a:solidFill>
-              </a:rPr>
-              <a:t>Run the executable</a:t>
-            </a:r>
-          </a:p>
-          <a:p>
-            <a:endParaRPr lang="en-US" sz="2000" dirty="0"/>
-          </a:p>
-        </p:txBody>
-      </p:sp>
-      <p:pic>
-        <p:nvPicPr>
-          <p:cNvPr id="9218" name="Picture 2"/>
-          <p:cNvPicPr>
-            <a:picLocks noChangeAspect="1" noChangeArrowheads="1"/>
-          </p:cNvPicPr>
-          <p:nvPr/>
-        </p:nvPicPr>
-        <p:blipFill>
           <a:blip r:embed="rId3"/>
           <a:srcRect/>
           <a:stretch>
@@ -3775,8 +4274,8 @@
         </p:blipFill>
         <p:spPr bwMode="auto">
           <a:xfrm>
-            <a:off x="762000" y="2286000"/>
-            <a:ext cx="5372100" cy="3400425"/>
+            <a:off x="6819900" y="5867400"/>
+            <a:ext cx="2324100" cy="990600"/>
           </a:xfrm>
           <a:prstGeom prst="rect">
             <a:avLst/>
@@ -3937,7 +4436,7 @@
                   </a:schemeClr>
                 </a:solidFill>
               </a:rPr>
-              <a:t>Click Next</a:t>
+              <a:t>Run the executable</a:t>
             </a:r>
           </a:p>
           <a:p>
@@ -3947,7 +4446,7 @@
       </p:sp>
       <p:pic>
         <p:nvPicPr>
-          <p:cNvPr id="10242" name="Picture 2"/>
+          <p:cNvPr id="9218" name="Picture 2"/>
           <p:cNvPicPr>
             <a:picLocks noChangeAspect="1" noChangeArrowheads="1"/>
           </p:cNvPicPr>
@@ -3962,8 +4461,8 @@
         </p:blipFill>
         <p:spPr bwMode="auto">
           <a:xfrm>
-            <a:off x="838200" y="2286000"/>
-            <a:ext cx="4810125" cy="3762375"/>
+            <a:off x="762000" y="2286000"/>
+            <a:ext cx="5372100" cy="3400425"/>
           </a:xfrm>
           <a:prstGeom prst="rect">
             <a:avLst/>
@@ -4124,7 +4623,7 @@
                   </a:schemeClr>
                 </a:solidFill>
               </a:rPr>
-              <a:t>Click on ‘I Agree’</a:t>
+              <a:t>Click Next</a:t>
             </a:r>
           </a:p>
           <a:p>
@@ -4134,7 +4633,7 @@
       </p:sp>
       <p:pic>
         <p:nvPicPr>
-          <p:cNvPr id="11266" name="Picture 2"/>
+          <p:cNvPr id="10242" name="Picture 2"/>
           <p:cNvPicPr>
             <a:picLocks noChangeAspect="1" noChangeArrowheads="1"/>
           </p:cNvPicPr>
@@ -4149,8 +4648,8 @@
         </p:blipFill>
         <p:spPr bwMode="auto">
           <a:xfrm>
-            <a:off x="914400" y="2286000"/>
-            <a:ext cx="4810125" cy="3733800"/>
+            <a:off x="838200" y="2286000"/>
+            <a:ext cx="4810125" cy="3762375"/>
           </a:xfrm>
           <a:prstGeom prst="rect">
             <a:avLst/>
@@ -4311,7 +4810,7 @@
                   </a:schemeClr>
                 </a:solidFill>
               </a:rPr>
-              <a:t>Click ‘Next’</a:t>
+              <a:t>Click on ‘I Agree’</a:t>
             </a:r>
           </a:p>
           <a:p>
@@ -4321,7 +4820,7 @@
       </p:sp>
       <p:pic>
         <p:nvPicPr>
-          <p:cNvPr id="12290" name="Picture 2"/>
+          <p:cNvPr id="11266" name="Picture 2"/>
           <p:cNvPicPr>
             <a:picLocks noChangeAspect="1" noChangeArrowheads="1"/>
           </p:cNvPicPr>
@@ -4337,7 +4836,7 @@
         <p:spPr bwMode="auto">
           <a:xfrm>
             <a:off x="914400" y="2286000"/>
-            <a:ext cx="4810125" cy="3771900"/>
+            <a:ext cx="4810125" cy="3733800"/>
           </a:xfrm>
           <a:prstGeom prst="rect">
             <a:avLst/>
@@ -4498,7 +4997,7 @@
                   </a:schemeClr>
                 </a:solidFill>
               </a:rPr>
-              <a:t>Choose the Installation directory and click Next</a:t>
+              <a:t>Click ‘Next’</a:t>
             </a:r>
           </a:p>
           <a:p>
@@ -4508,7 +5007,7 @@
       </p:sp>
       <p:pic>
         <p:nvPicPr>
-          <p:cNvPr id="13314" name="Picture 2"/>
+          <p:cNvPr id="12290" name="Picture 2"/>
           <p:cNvPicPr>
             <a:picLocks noChangeAspect="1" noChangeArrowheads="1"/>
           </p:cNvPicPr>
@@ -4685,7 +5184,7 @@
                   </a:schemeClr>
                 </a:solidFill>
               </a:rPr>
-              <a:t>Better don’t check any box and click on Install</a:t>
+              <a:t>Choose the Installation directory and click Next</a:t>
             </a:r>
           </a:p>
           <a:p>
@@ -4695,7 +5194,7 @@
       </p:sp>
       <p:pic>
         <p:nvPicPr>
-          <p:cNvPr id="14338" name="Picture 2"/>
+          <p:cNvPr id="13314" name="Picture 2"/>
           <p:cNvPicPr>
             <a:picLocks noChangeAspect="1" noChangeArrowheads="1"/>
           </p:cNvPicPr>
@@ -4710,8 +5209,8 @@
         </p:blipFill>
         <p:spPr bwMode="auto">
           <a:xfrm>
-            <a:off x="914400" y="2209800"/>
-            <a:ext cx="4810125" cy="3752850"/>
+            <a:off x="914400" y="2286000"/>
+            <a:ext cx="4810125" cy="3771900"/>
           </a:xfrm>
           <a:prstGeom prst="rect">
             <a:avLst/>
@@ -4872,45 +5371,8 @@
                   </a:schemeClr>
                 </a:solidFill>
               </a:rPr>
-              <a:t>Click Next ( Install </a:t>
-            </a:r>
-            <a:r>
-              <a:rPr lang="en-US" sz="2000" dirty="0" err="1" smtClean="0">
-                <a:solidFill>
-                  <a:schemeClr val="tx2">
-                    <a:lumMod val="75000"/>
-                  </a:schemeClr>
-                </a:solidFill>
-              </a:rPr>
-              <a:t>PyCharm</a:t>
-            </a:r>
-            <a:r>
-              <a:rPr lang="en-US" sz="2000" dirty="0" smtClean="0">
-                <a:solidFill>
-                  <a:schemeClr val="tx2">
-                    <a:lumMod val="75000"/>
-                  </a:schemeClr>
-                </a:solidFill>
-              </a:rPr>
-              <a:t> IDE) and </a:t>
-            </a:r>
-            <a:r>
-              <a:rPr lang="en-US" sz="2000" smtClean="0">
-                <a:solidFill>
-                  <a:schemeClr val="tx2">
-                    <a:lumMod val="75000"/>
-                  </a:schemeClr>
-                </a:solidFill>
-              </a:rPr>
-              <a:t>complete Installation</a:t>
-            </a:r>
-            <a:endParaRPr lang="en-US" sz="2000" dirty="0" smtClean="0">
-              <a:solidFill>
-                <a:schemeClr val="tx2">
-                  <a:lumMod val="75000"/>
-                </a:schemeClr>
-              </a:solidFill>
-            </a:endParaRPr>
+              <a:t>Better don’t check any box and click on Install</a:t>
+            </a:r>
           </a:p>
           <a:p>
             <a:endParaRPr lang="en-US" sz="2000" dirty="0"/>
@@ -4919,7 +5381,7 @@
       </p:sp>
       <p:pic>
         <p:nvPicPr>
-          <p:cNvPr id="1026" name="Picture 2"/>
+          <p:cNvPr id="14338" name="Picture 2"/>
           <p:cNvPicPr>
             <a:picLocks noChangeAspect="1" noChangeArrowheads="1"/>
           </p:cNvPicPr>
@@ -4935,7 +5397,7 @@
         <p:spPr bwMode="auto">
           <a:xfrm>
             <a:off x="914400" y="2209800"/>
-            <a:ext cx="4800600" cy="3743325"/>
+            <a:ext cx="4810125" cy="3752850"/>
           </a:xfrm>
           <a:prstGeom prst="rect">
             <a:avLst/>
@@ -5080,16 +5542,54 @@
         </p:nvSpPr>
         <p:spPr>
           <a:xfrm>
-            <a:off x="3581400" y="2895600"/>
-            <a:ext cx="4648200" cy="2438400"/>
-          </a:xfrm>
-        </p:spPr>
-        <p:txBody>
-          <a:bodyPr>
-            <a:normAutofit/>
-          </a:bodyPr>
-          <a:lstStyle/>
-          <a:p>
+            <a:off x="457200" y="1600201"/>
+            <a:ext cx="8229600" cy="685800"/>
+          </a:xfrm>
+        </p:spPr>
+        <p:txBody>
+          <a:bodyPr/>
+          <a:lstStyle/>
+          <a:p>
+            <a:r>
+              <a:rPr lang="en-US" sz="2000" dirty="0" smtClean="0">
+                <a:solidFill>
+                  <a:schemeClr val="tx2">
+                    <a:lumMod val="75000"/>
+                  </a:schemeClr>
+                </a:solidFill>
+              </a:rPr>
+              <a:t>Click Next ( Install </a:t>
+            </a:r>
+            <a:r>
+              <a:rPr lang="en-US" sz="2000" dirty="0" err="1" smtClean="0">
+                <a:solidFill>
+                  <a:schemeClr val="tx2">
+                    <a:lumMod val="75000"/>
+                  </a:schemeClr>
+                </a:solidFill>
+              </a:rPr>
+              <a:t>PyCharm</a:t>
+            </a:r>
+            <a:r>
+              <a:rPr lang="en-US" sz="2000" dirty="0" smtClean="0">
+                <a:solidFill>
+                  <a:schemeClr val="tx2">
+                    <a:lumMod val="75000"/>
+                  </a:schemeClr>
+                </a:solidFill>
+              </a:rPr>
+              <a:t> IDE) and </a:t>
+            </a:r>
+            <a:r>
+              <a:rPr lang="en-US" sz="2000" smtClean="0">
+                <a:solidFill>
+                  <a:schemeClr val="tx2">
+                    <a:lumMod val="75000"/>
+                  </a:schemeClr>
+                </a:solidFill>
+              </a:rPr>
+              <a:t>complete Installation</a:t>
+            </a:r>
             <a:endParaRPr lang="en-US" sz="2000" dirty="0" smtClean="0">
               <a:solidFill>
                 <a:schemeClr val="tx2">
@@ -5099,105 +5599,13 @@
             </a:endParaRPr>
           </a:p>
           <a:p>
-            <a:r>
-              <a:rPr lang="en-US" sz="2000" dirty="0" smtClean="0">
-                <a:solidFill>
-                  <a:schemeClr val="tx2">
-                    <a:lumMod val="75000"/>
-                  </a:schemeClr>
-                </a:solidFill>
-              </a:rPr>
-              <a:t>From start menu type Anaconda</a:t>
-            </a:r>
-          </a:p>
-          <a:p>
-            <a:r>
-              <a:rPr lang="en-US" sz="2000" dirty="0" smtClean="0">
-                <a:solidFill>
-                  <a:schemeClr val="tx2">
-                    <a:lumMod val="75000"/>
-                  </a:schemeClr>
-                </a:solidFill>
-              </a:rPr>
-              <a:t>You should see </a:t>
-            </a:r>
-          </a:p>
-          <a:p>
-            <a:pPr lvl="1"/>
-            <a:r>
-              <a:rPr lang="en-US" sz="1600" dirty="0" smtClean="0">
-                <a:solidFill>
-                  <a:schemeClr val="tx2">
-                    <a:lumMod val="75000"/>
-                  </a:schemeClr>
-                </a:solidFill>
-              </a:rPr>
-              <a:t>Anaconda Prompt</a:t>
-            </a:r>
-          </a:p>
-          <a:p>
-            <a:pPr lvl="1"/>
-            <a:r>
-              <a:rPr lang="en-US" sz="1600" dirty="0" smtClean="0">
-                <a:solidFill>
-                  <a:schemeClr val="tx2">
-                    <a:lumMod val="75000"/>
-                  </a:schemeClr>
-                </a:solidFill>
-              </a:rPr>
-              <a:t>Jupyter Notebook</a:t>
-            </a:r>
-          </a:p>
-          <a:p>
-            <a:pPr lvl="1"/>
-            <a:r>
-              <a:rPr lang="en-US" sz="1600" dirty="0" smtClean="0">
-                <a:solidFill>
-                  <a:schemeClr val="tx2">
-                    <a:lumMod val="75000"/>
-                  </a:schemeClr>
-                </a:solidFill>
-              </a:rPr>
-              <a:t>Spyder IDE</a:t>
-            </a:r>
-          </a:p>
-          <a:p>
-            <a:pPr lvl="1"/>
-            <a:r>
-              <a:rPr lang="en-US" sz="1600" dirty="0" smtClean="0">
-                <a:solidFill>
-                  <a:schemeClr val="tx2">
-                    <a:lumMod val="75000"/>
-                  </a:schemeClr>
-                </a:solidFill>
-              </a:rPr>
-              <a:t>Anaconda Powershell Prompt</a:t>
-            </a:r>
-          </a:p>
-          <a:p>
-            <a:pPr lvl="1"/>
-            <a:endParaRPr lang="en-US" sz="1600" dirty="0" smtClean="0">
-              <a:solidFill>
-                <a:schemeClr val="tx2">
-                  <a:lumMod val="75000"/>
-                </a:schemeClr>
-              </a:solidFill>
-            </a:endParaRPr>
-          </a:p>
-          <a:p>
-            <a:endParaRPr lang="en-US" sz="2000" dirty="0">
-              <a:solidFill>
-                <a:schemeClr val="tx2">
-                  <a:lumMod val="75000"/>
-                </a:schemeClr>
-              </a:solidFill>
-            </a:endParaRPr>
+            <a:endParaRPr lang="en-US" sz="2000" dirty="0"/>
           </a:p>
         </p:txBody>
       </p:sp>
       <p:pic>
         <p:nvPicPr>
-          <p:cNvPr id="15362" name="Picture 2"/>
+          <p:cNvPr id="1026" name="Picture 2"/>
           <p:cNvPicPr>
             <a:picLocks noChangeAspect="1" noChangeArrowheads="1"/>
           </p:cNvPicPr>
@@ -5212,8 +5620,8 @@
         </p:blipFill>
         <p:spPr bwMode="auto">
           <a:xfrm>
-            <a:off x="457200" y="1752600"/>
-            <a:ext cx="3076575" cy="5105400"/>
+            <a:off x="914400" y="2209800"/>
+            <a:ext cx="4800600" cy="3743325"/>
           </a:xfrm>
           <a:prstGeom prst="rect">
             <a:avLst/>
@@ -5260,108 +5668,9 @@
           <a:chExt cx="0" cy="0"/>
         </a:xfrm>
       </p:grpSpPr>
-      <p:sp>
-        <p:nvSpPr>
-          <p:cNvPr id="2" name="Title 1"/>
-          <p:cNvSpPr>
-            <a:spLocks noGrp="1"/>
-          </p:cNvSpPr>
-          <p:nvPr>
-            <p:ph type="title"/>
-          </p:nvPr>
-        </p:nvSpPr>
-        <p:spPr/>
-        <p:txBody>
-          <a:bodyPr/>
-          <a:lstStyle/>
-          <a:p>
-            <a:r>
-              <a:rPr lang="en-US" dirty="0" smtClean="0"/>
-              <a:t>Python Installation</a:t>
-            </a:r>
-            <a:endParaRPr lang="en-US" dirty="0"/>
-          </a:p>
-        </p:txBody>
-      </p:sp>
-      <p:sp>
-        <p:nvSpPr>
-          <p:cNvPr id="3" name="Content Placeholder 2"/>
-          <p:cNvSpPr>
-            <a:spLocks noGrp="1"/>
-          </p:cNvSpPr>
-          <p:nvPr>
-            <p:ph idx="1"/>
-          </p:nvPr>
-        </p:nvSpPr>
-        <p:spPr/>
-        <p:txBody>
-          <a:bodyPr>
-            <a:normAutofit/>
-          </a:bodyPr>
-          <a:lstStyle/>
-          <a:p>
-            <a:r>
-              <a:rPr lang="en-US" sz="2000" dirty="0" smtClean="0"/>
-              <a:t>Go to : </a:t>
-            </a:r>
-            <a:r>
-              <a:rPr lang="en-US" sz="2000" dirty="0" smtClean="0">
-                <a:hlinkClick r:id="rId2"/>
-              </a:rPr>
-              <a:t>https://www.python.org/downloads/</a:t>
-            </a:r>
-            <a:endParaRPr lang="en-US" sz="2000" dirty="0" smtClean="0"/>
-          </a:p>
-          <a:p>
-            <a:r>
-              <a:rPr lang="en-US" sz="2000" dirty="0" smtClean="0">
-                <a:solidFill>
-                  <a:schemeClr val="tx2">
-                    <a:lumMod val="75000"/>
-                  </a:schemeClr>
-                </a:solidFill>
-              </a:rPr>
-              <a:t>Download latest Python executable</a:t>
-            </a:r>
-          </a:p>
-          <a:p>
-            <a:r>
-              <a:rPr lang="en-US" sz="2000" dirty="0" smtClean="0">
-                <a:solidFill>
-                  <a:schemeClr val="tx2">
-                    <a:lumMod val="75000"/>
-                  </a:schemeClr>
-                </a:solidFill>
-              </a:rPr>
-              <a:t>Run the executable</a:t>
-            </a:r>
-          </a:p>
-          <a:p>
-            <a:r>
-              <a:rPr lang="en-US" sz="2000" dirty="0" smtClean="0">
-                <a:solidFill>
-                  <a:schemeClr val="tx2">
-                    <a:lumMod val="75000"/>
-                  </a:schemeClr>
-                </a:solidFill>
-              </a:rPr>
-              <a:t>Follow the instructions</a:t>
-            </a:r>
-          </a:p>
-          <a:p>
-            <a:endParaRPr lang="en-US" sz="2000" dirty="0">
-              <a:solidFill>
-                <a:schemeClr val="tx2">
-                  <a:lumMod val="75000"/>
-                </a:schemeClr>
-              </a:solidFill>
-            </a:endParaRPr>
-          </a:p>
-        </p:txBody>
-      </p:sp>
       <p:cxnSp>
         <p:nvCxnSpPr>
-          <p:cNvPr id="5" name="Straight Connector 4"/>
+          <p:cNvPr id="8" name="Straight Connector 7"/>
           <p:cNvCxnSpPr/>
           <p:nvPr/>
         </p:nvCxnSpPr>
@@ -5373,6 +5682,11 @@
           <a:prstGeom prst="line">
             <a:avLst/>
           </a:prstGeom>
+          <a:ln>
+            <a:solidFill>
+              <a:schemeClr val="tx1"/>
+            </a:solidFill>
+          </a:ln>
         </p:spPr>
         <p:style>
           <a:lnRef idx="1">
@@ -5389,9 +5703,211 @@
           </a:fontRef>
         </p:style>
       </p:cxnSp>
+      <p:sp>
+        <p:nvSpPr>
+          <p:cNvPr id="10" name="Content Placeholder 2"/>
+          <p:cNvSpPr txBox="1">
+            <a:spLocks/>
+          </p:cNvSpPr>
+          <p:nvPr/>
+        </p:nvSpPr>
+        <p:spPr>
+          <a:xfrm>
+            <a:off x="457200" y="1600200"/>
+            <a:ext cx="8229600" cy="4525963"/>
+          </a:xfrm>
+          <a:prstGeom prst="rect">
+            <a:avLst/>
+          </a:prstGeom>
+        </p:spPr>
+        <p:txBody>
+          <a:bodyPr>
+            <a:normAutofit/>
+          </a:bodyPr>
+          <a:lstStyle/>
+          <a:p>
+            <a:pPr marL="342900" lvl="0" indent="-342900">
+              <a:spcBef>
+                <a:spcPct val="20000"/>
+              </a:spcBef>
+              <a:buFont typeface="Arial" pitchFamily="34" charset="0"/>
+              <a:buChar char="•"/>
+            </a:pPr>
+            <a:endParaRPr lang="en-US" sz="2000" dirty="0" smtClean="0">
+              <a:solidFill>
+                <a:srgbClr val="FFFF00"/>
+              </a:solidFill>
+            </a:endParaRPr>
+          </a:p>
+          <a:p>
+            <a:pPr marL="342900" lvl="0" indent="-342900">
+              <a:spcBef>
+                <a:spcPct val="20000"/>
+              </a:spcBef>
+              <a:buFont typeface="Arial" pitchFamily="34" charset="0"/>
+              <a:buChar char="•"/>
+            </a:pPr>
+            <a:endParaRPr lang="en-US" sz="2000" dirty="0" smtClean="0">
+              <a:solidFill>
+                <a:srgbClr val="FFFF00"/>
+              </a:solidFill>
+            </a:endParaRPr>
+          </a:p>
+          <a:p>
+            <a:pPr marL="342900" lvl="0" indent="-342900">
+              <a:lnSpc>
+                <a:spcPct val="150000"/>
+              </a:lnSpc>
+              <a:spcBef>
+                <a:spcPct val="20000"/>
+              </a:spcBef>
+              <a:buFont typeface="Arial" pitchFamily="34" charset="0"/>
+              <a:buChar char="•"/>
+            </a:pPr>
+            <a:r>
+              <a:rPr lang="en-US" sz="2000" dirty="0" smtClean="0">
+                <a:solidFill>
+                  <a:srgbClr val="FFFF00"/>
+                </a:solidFill>
+              </a:rPr>
+              <a:t>Go </a:t>
+            </a:r>
+            <a:r>
+              <a:rPr lang="en-US" sz="2000" dirty="0" smtClean="0">
+                <a:solidFill>
+                  <a:srgbClr val="FFFF00"/>
+                </a:solidFill>
+              </a:rPr>
+              <a:t>to : </a:t>
+            </a:r>
+            <a:r>
+              <a:rPr lang="en-US" sz="2000" dirty="0" smtClean="0">
+                <a:solidFill>
+                  <a:srgbClr val="FFFF00"/>
+                </a:solidFill>
+                <a:hlinkClick r:id="rId2"/>
+              </a:rPr>
+              <a:t>https://www.python.org/downloads/</a:t>
+            </a:r>
+            <a:endParaRPr lang="en-US" sz="2000" dirty="0" smtClean="0">
+              <a:solidFill>
+                <a:srgbClr val="FFFF00"/>
+              </a:solidFill>
+            </a:endParaRPr>
+          </a:p>
+          <a:p>
+            <a:pPr marL="342900" lvl="0" indent="-342900">
+              <a:lnSpc>
+                <a:spcPct val="150000"/>
+              </a:lnSpc>
+              <a:spcBef>
+                <a:spcPct val="20000"/>
+              </a:spcBef>
+              <a:buFont typeface="Arial" pitchFamily="34" charset="0"/>
+              <a:buChar char="•"/>
+            </a:pPr>
+            <a:r>
+              <a:rPr lang="en-US" sz="2000" dirty="0" smtClean="0">
+                <a:solidFill>
+                  <a:srgbClr val="FFFF00"/>
+                </a:solidFill>
+              </a:rPr>
+              <a:t>Download latest Python executable</a:t>
+            </a:r>
+          </a:p>
+          <a:p>
+            <a:pPr marL="342900" lvl="0" indent="-342900">
+              <a:lnSpc>
+                <a:spcPct val="150000"/>
+              </a:lnSpc>
+              <a:spcBef>
+                <a:spcPct val="20000"/>
+              </a:spcBef>
+              <a:buFont typeface="Arial" pitchFamily="34" charset="0"/>
+              <a:buChar char="•"/>
+            </a:pPr>
+            <a:r>
+              <a:rPr lang="en-US" sz="2000" dirty="0" smtClean="0">
+                <a:solidFill>
+                  <a:srgbClr val="FFFF00"/>
+                </a:solidFill>
+              </a:rPr>
+              <a:t>Run the executable</a:t>
+            </a:r>
+          </a:p>
+          <a:p>
+            <a:pPr marL="342900" lvl="0" indent="-342900">
+              <a:lnSpc>
+                <a:spcPct val="150000"/>
+              </a:lnSpc>
+              <a:spcBef>
+                <a:spcPct val="20000"/>
+              </a:spcBef>
+              <a:buFont typeface="Arial" pitchFamily="34" charset="0"/>
+              <a:buChar char="•"/>
+            </a:pPr>
+            <a:r>
+              <a:rPr lang="en-US" sz="2000" dirty="0" smtClean="0">
+                <a:solidFill>
+                  <a:srgbClr val="FFFF00"/>
+                </a:solidFill>
+              </a:rPr>
+              <a:t>Follow the instructions</a:t>
+            </a:r>
+          </a:p>
+        </p:txBody>
+      </p:sp>
+      <p:sp>
+        <p:nvSpPr>
+          <p:cNvPr id="11" name="Title 1"/>
+          <p:cNvSpPr txBox="1">
+            <a:spLocks/>
+          </p:cNvSpPr>
+          <p:nvPr/>
+        </p:nvSpPr>
+        <p:spPr>
+          <a:xfrm>
+            <a:off x="457200" y="274638"/>
+            <a:ext cx="8229600" cy="1143000"/>
+          </a:xfrm>
+          <a:prstGeom prst="rect">
+            <a:avLst/>
+          </a:prstGeom>
+        </p:spPr>
+        <p:txBody>
+          <a:bodyPr/>
+          <a:lstStyle/>
+          <a:p>
+            <a:pPr lvl="0" algn="ctr">
+              <a:spcBef>
+                <a:spcPct val="0"/>
+              </a:spcBef>
+              <a:defRPr/>
+            </a:pPr>
+            <a:r>
+              <a:rPr lang="en-US" sz="4400" dirty="0" smtClean="0"/>
+              <a:t>Python Installation</a:t>
+            </a:r>
+            <a:endParaRPr kumimoji="0" lang="en-US" sz="4400" b="0" i="0" u="none" strike="noStrike" kern="1200" cap="none" spc="0" normalizeH="0" baseline="0" noProof="0" dirty="0">
+              <a:ln>
+                <a:noFill/>
+              </a:ln>
+              <a:solidFill>
+                <a:schemeClr val="bg1"/>
+              </a:solidFill>
+              <a:effectLst/>
+              <a:uLnTx/>
+              <a:uFillTx/>
+              <a:latin typeface="+mj-lt"/>
+              <a:ea typeface="+mj-ea"/>
+              <a:cs typeface="+mj-cs"/>
+            </a:endParaRPr>
+          </a:p>
+        </p:txBody>
+      </p:sp>
       <p:pic>
         <p:nvPicPr>
-          <p:cNvPr id="4099" name="Picture 3"/>
+          <p:cNvPr id="6" name="Picture 9" descr="C:\Users\hi\Desktop\1.png"/>
           <p:cNvPicPr>
             <a:picLocks noChangeAspect="1" noChangeArrowheads="1"/>
           </p:cNvPicPr>
@@ -5406,23 +5922,47 @@
         </p:blipFill>
         <p:spPr bwMode="auto">
           <a:xfrm>
-            <a:off x="6819900" y="5867400"/>
-            <a:ext cx="2324100" cy="990600"/>
+            <a:off x="7772400" y="5867400"/>
+            <a:ext cx="523875" cy="523875"/>
           </a:xfrm>
           <a:prstGeom prst="rect">
             <a:avLst/>
           </a:prstGeom>
           <a:noFill/>
-          <a:ln w="9525">
-            <a:noFill/>
-            <a:miter lim="800000"/>
-            <a:headEnd/>
-            <a:tailEnd/>
-          </a:ln>
-          <a:effectLst/>
+        </p:spPr>
+      </p:pic>
+      <p:pic>
+        <p:nvPicPr>
+          <p:cNvPr id="7" name="Picture 10" descr="C:\Users\hi\Desktop\2.png"/>
+          <p:cNvPicPr>
+            <a:picLocks noChangeAspect="1" noChangeArrowheads="1"/>
+          </p:cNvPicPr>
+          <p:nvPr/>
+        </p:nvPicPr>
+        <p:blipFill>
+          <a:blip r:embed="rId4"/>
+          <a:srcRect/>
+          <a:stretch>
+            <a:fillRect/>
+          </a:stretch>
+        </p:blipFill>
+        <p:spPr bwMode="auto">
+          <a:xfrm>
+            <a:off x="6096000" y="6353175"/>
+            <a:ext cx="2324100" cy="504825"/>
+          </a:xfrm>
+          <a:prstGeom prst="rect">
+            <a:avLst/>
+          </a:prstGeom>
+          <a:noFill/>
         </p:spPr>
       </p:pic>
     </p:spTree>
+    <p:extLst>
+      <p:ext uri="{BB962C8B-B14F-4D97-AF65-F5344CB8AC3E}">
+        <p14:creationId xmlns:p14="http://schemas.microsoft.com/office/powerpoint/2010/main" xmlns="" val="4032476198"/>
+      </p:ext>
+    </p:extLst>
   </p:cSld>
   <p:clrMapOvr>
     <a:masterClrMapping/>
@@ -5471,7 +6011,7 @@
           <a:p>
             <a:r>
               <a:rPr lang="en-US" dirty="0" smtClean="0"/>
-              <a:t>Anaconda Un-Installation</a:t>
+              <a:t>Anaconda Installation</a:t>
             </a:r>
             <a:endParaRPr lang="en-US" dirty="0"/>
           </a:p>
@@ -5552,15 +6092,24 @@
         </p:nvSpPr>
         <p:spPr>
           <a:xfrm>
-            <a:off x="457200" y="1600201"/>
-            <a:ext cx="8229600" cy="685800"/>
+            <a:off x="3581400" y="2895600"/>
+            <a:ext cx="4648200" cy="2438400"/>
           </a:xfrm>
         </p:spPr>
         <p:txBody>
           <a:bodyPr>
-            <a:normAutofit fontScale="62500" lnSpcReduction="20000"/>
+            <a:normAutofit/>
           </a:bodyPr>
           <a:lstStyle/>
+          <a:p>
+            <a:endParaRPr lang="en-US" sz="2000" dirty="0" smtClean="0">
+              <a:solidFill>
+                <a:schemeClr val="tx2">
+                  <a:lumMod val="75000"/>
+                </a:schemeClr>
+              </a:solidFill>
+            </a:endParaRPr>
+          </a:p>
           <a:p>
             <a:r>
               <a:rPr lang="en-US" sz="2000" dirty="0" smtClean="0">
@@ -5570,7 +6119,7 @@
                   </a:schemeClr>
                 </a:solidFill>
               </a:rPr>
-              <a:t>Navigate to Anaconda Installation directory</a:t>
+              <a:t>From start menu type Anaconda</a:t>
             </a:r>
           </a:p>
           <a:p>
@@ -5582,29 +6131,85 @@
                   </a:schemeClr>
                 </a:solidFill>
               </a:rPr>
-              <a:t>Locate Uninstall-Anaconda3 .exe</a:t>
-            </a:r>
-          </a:p>
-          <a:p>
-            <a:r>
-              <a:rPr lang="en-US" sz="2000" dirty="0" smtClean="0">
+              <a:t>You should see </a:t>
+            </a:r>
+          </a:p>
+          <a:p>
+            <a:pPr lvl="1"/>
+            <a:r>
+              <a:rPr lang="en-US" sz="1600" dirty="0" smtClean="0">
                 <a:solidFill>
                   <a:schemeClr val="tx2">
                     <a:lumMod val="75000"/>
                   </a:schemeClr>
                 </a:solidFill>
               </a:rPr>
-              <a:t>Run the executable</a:t>
-            </a:r>
-          </a:p>
-          <a:p>
-            <a:endParaRPr lang="en-US" dirty="0"/>
+              <a:t>Anaconda Prompt</a:t>
+            </a:r>
+          </a:p>
+          <a:p>
+            <a:pPr lvl="1"/>
+            <a:r>
+              <a:rPr lang="en-US" sz="1600" dirty="0" smtClean="0">
+                <a:solidFill>
+                  <a:schemeClr val="tx2">
+                    <a:lumMod val="75000"/>
+                  </a:schemeClr>
+                </a:solidFill>
+              </a:rPr>
+              <a:t>Jupyter Notebook</a:t>
+            </a:r>
+          </a:p>
+          <a:p>
+            <a:pPr lvl="1"/>
+            <a:r>
+              <a:rPr lang="en-US" sz="1600" dirty="0" smtClean="0">
+                <a:solidFill>
+                  <a:schemeClr val="tx2">
+                    <a:lumMod val="75000"/>
+                  </a:schemeClr>
+                </a:solidFill>
+              </a:rPr>
+              <a:t>Spyder IDE</a:t>
+            </a:r>
+          </a:p>
+          <a:p>
+            <a:pPr lvl="1"/>
+            <a:r>
+              <a:rPr lang="en-US" sz="1600" dirty="0" smtClean="0">
+                <a:solidFill>
+                  <a:schemeClr val="tx2">
+                    <a:lumMod val="75000"/>
+                  </a:schemeClr>
+                </a:solidFill>
+              </a:rPr>
+              <a:t>Anaconda Powershell Prompt</a:t>
+            </a:r>
+          </a:p>
+          <a:p>
+            <a:pPr lvl="1"/>
+            <a:endParaRPr lang="en-US" sz="1600" dirty="0" smtClean="0">
+              <a:solidFill>
+                <a:schemeClr val="tx2">
+                  <a:lumMod val="75000"/>
+                </a:schemeClr>
+              </a:solidFill>
+            </a:endParaRPr>
+          </a:p>
+          <a:p>
+            <a:endParaRPr lang="en-US" sz="2000" dirty="0">
+              <a:solidFill>
+                <a:schemeClr val="tx2">
+                  <a:lumMod val="75000"/>
+                </a:schemeClr>
+              </a:solidFill>
+            </a:endParaRPr>
           </a:p>
         </p:txBody>
       </p:sp>
       <p:pic>
         <p:nvPicPr>
-          <p:cNvPr id="16386" name="Picture 2"/>
+          <p:cNvPr id="15362" name="Picture 2"/>
           <p:cNvPicPr>
             <a:picLocks noChangeAspect="1" noChangeArrowheads="1"/>
           </p:cNvPicPr>
@@ -5619,8 +6224,8 @@
         </p:blipFill>
         <p:spPr bwMode="auto">
           <a:xfrm>
-            <a:off x="533400" y="2362200"/>
-            <a:ext cx="6172200" cy="3914775"/>
+            <a:off x="457200" y="1752600"/>
+            <a:ext cx="3076575" cy="5105400"/>
           </a:xfrm>
           <a:prstGeom prst="rect">
             <a:avLst/>
@@ -5770,7 +6375,9 @@
           </a:xfrm>
         </p:spPr>
         <p:txBody>
-          <a:bodyPr/>
+          <a:bodyPr>
+            <a:normAutofit fontScale="62500" lnSpcReduction="20000"/>
+          </a:bodyPr>
           <a:lstStyle/>
           <a:p>
             <a:r>
@@ -5781,7 +6388,31 @@
                   </a:schemeClr>
                 </a:solidFill>
               </a:rPr>
-              <a:t>Finish Uninstall</a:t>
+              <a:t>Navigate to Anaconda Installation directory</a:t>
+            </a:r>
+          </a:p>
+          <a:p>
+            <a:r>
+              <a:rPr lang="en-US" sz="2000" dirty="0" smtClean="0">
+                <a:solidFill>
+                  <a:schemeClr val="tx2">
+                    <a:lumMod val="75000"/>
+                  </a:schemeClr>
+                </a:solidFill>
+              </a:rPr>
+              <a:t>Locate Uninstall-Anaconda3 .exe</a:t>
+            </a:r>
+          </a:p>
+          <a:p>
+            <a:r>
+              <a:rPr lang="en-US" sz="2000" dirty="0" smtClean="0">
+                <a:solidFill>
+                  <a:schemeClr val="tx2">
+                    <a:lumMod val="75000"/>
+                  </a:schemeClr>
+                </a:solidFill>
+              </a:rPr>
+              <a:t>Run the executable</a:t>
             </a:r>
           </a:p>
           <a:p>
@@ -5791,7 +6422,7 @@
       </p:sp>
       <p:pic>
         <p:nvPicPr>
-          <p:cNvPr id="17410" name="Picture 2"/>
+          <p:cNvPr id="16386" name="Picture 2"/>
           <p:cNvPicPr>
             <a:picLocks noChangeAspect="1" noChangeArrowheads="1"/>
           </p:cNvPicPr>
@@ -5806,8 +6437,8 @@
         </p:blipFill>
         <p:spPr bwMode="auto">
           <a:xfrm>
-            <a:off x="914400" y="2057400"/>
-            <a:ext cx="4848225" cy="3771900"/>
+            <a:off x="533400" y="2362200"/>
+            <a:ext cx="6172200" cy="3914775"/>
           </a:xfrm>
           <a:prstGeom prst="rect">
             <a:avLst/>
@@ -5968,6 +6599,193 @@
                   </a:schemeClr>
                 </a:solidFill>
               </a:rPr>
+              <a:t>Finish Uninstall</a:t>
+            </a:r>
+          </a:p>
+          <a:p>
+            <a:endParaRPr lang="en-US" dirty="0"/>
+          </a:p>
+        </p:txBody>
+      </p:sp>
+      <p:pic>
+        <p:nvPicPr>
+          <p:cNvPr id="17410" name="Picture 2"/>
+          <p:cNvPicPr>
+            <a:picLocks noChangeAspect="1" noChangeArrowheads="1"/>
+          </p:cNvPicPr>
+          <p:nvPr/>
+        </p:nvPicPr>
+        <p:blipFill>
+          <a:blip r:embed="rId3"/>
+          <a:srcRect/>
+          <a:stretch>
+            <a:fillRect/>
+          </a:stretch>
+        </p:blipFill>
+        <p:spPr bwMode="auto">
+          <a:xfrm>
+            <a:off x="914400" y="2057400"/>
+            <a:ext cx="4848225" cy="3771900"/>
+          </a:xfrm>
+          <a:prstGeom prst="rect">
+            <a:avLst/>
+          </a:prstGeom>
+          <a:noFill/>
+          <a:ln w="9525">
+            <a:noFill/>
+            <a:miter lim="800000"/>
+            <a:headEnd/>
+            <a:tailEnd/>
+          </a:ln>
+          <a:effectLst/>
+        </p:spPr>
+      </p:pic>
+    </p:spTree>
+  </p:cSld>
+  <p:clrMapOvr>
+    <a:masterClrMapping/>
+  </p:clrMapOvr>
+  <p:timing>
+    <p:tnLst>
+      <p:par>
+        <p:cTn id="1" dur="indefinite" restart="never" nodeType="tmRoot"/>
+      </p:par>
+    </p:tnLst>
+  </p:timing>
+</p:sld>
+</file>
+
+<file path=ppt/slides/slide23.xml><?xml version="1.0" encoding="utf-8"?>
+<p:sld xmlns:a="http://schemas.openxmlformats.org/drawingml/2006/main" xmlns:r="http://schemas.openxmlformats.org/officeDocument/2006/relationships" xmlns:p="http://schemas.openxmlformats.org/presentationml/2006/main">
+  <p:cSld>
+    <p:spTree>
+      <p:nvGrpSpPr>
+        <p:cNvPr id="1" name=""/>
+        <p:cNvGrpSpPr/>
+        <p:nvPr/>
+      </p:nvGrpSpPr>
+      <p:grpSpPr>
+        <a:xfrm>
+          <a:off x="0" y="0"/>
+          <a:ext cx="0" cy="0"/>
+          <a:chOff x="0" y="0"/>
+          <a:chExt cx="0" cy="0"/>
+        </a:xfrm>
+      </p:grpSpPr>
+      <p:sp>
+        <p:nvSpPr>
+          <p:cNvPr id="2" name="Title 1"/>
+          <p:cNvSpPr>
+            <a:spLocks noGrp="1"/>
+          </p:cNvSpPr>
+          <p:nvPr>
+            <p:ph type="title"/>
+          </p:nvPr>
+        </p:nvSpPr>
+        <p:spPr/>
+        <p:txBody>
+          <a:bodyPr/>
+          <a:lstStyle/>
+          <a:p>
+            <a:r>
+              <a:rPr lang="en-US" dirty="0" smtClean="0"/>
+              <a:t>Anaconda Un-Installation</a:t>
+            </a:r>
+            <a:endParaRPr lang="en-US" dirty="0"/>
+          </a:p>
+        </p:txBody>
+      </p:sp>
+      <p:cxnSp>
+        <p:nvCxnSpPr>
+          <p:cNvPr id="5" name="Straight Connector 4"/>
+          <p:cNvCxnSpPr/>
+          <p:nvPr/>
+        </p:nvCxnSpPr>
+        <p:spPr>
+          <a:xfrm>
+            <a:off x="0" y="1447800"/>
+            <a:ext cx="9144000" cy="1588"/>
+          </a:xfrm>
+          <a:prstGeom prst="line">
+            <a:avLst/>
+          </a:prstGeom>
+        </p:spPr>
+        <p:style>
+          <a:lnRef idx="1">
+            <a:schemeClr val="accent1"/>
+          </a:lnRef>
+          <a:fillRef idx="0">
+            <a:schemeClr val="accent1"/>
+          </a:fillRef>
+          <a:effectRef idx="0">
+            <a:schemeClr val="accent1"/>
+          </a:effectRef>
+          <a:fontRef idx="minor">
+            <a:schemeClr val="tx1"/>
+          </a:fontRef>
+        </p:style>
+      </p:cxnSp>
+      <p:pic>
+        <p:nvPicPr>
+          <p:cNvPr id="4099" name="Picture 3"/>
+          <p:cNvPicPr>
+            <a:picLocks noChangeAspect="1" noChangeArrowheads="1"/>
+          </p:cNvPicPr>
+          <p:nvPr/>
+        </p:nvPicPr>
+        <p:blipFill>
+          <a:blip r:embed="rId2"/>
+          <a:srcRect/>
+          <a:stretch>
+            <a:fillRect/>
+          </a:stretch>
+        </p:blipFill>
+        <p:spPr bwMode="auto">
+          <a:xfrm>
+            <a:off x="6819900" y="5867400"/>
+            <a:ext cx="2324100" cy="990600"/>
+          </a:xfrm>
+          <a:prstGeom prst="rect">
+            <a:avLst/>
+          </a:prstGeom>
+          <a:noFill/>
+          <a:ln w="9525">
+            <a:noFill/>
+            <a:miter lim="800000"/>
+            <a:headEnd/>
+            <a:tailEnd/>
+          </a:ln>
+          <a:effectLst/>
+        </p:spPr>
+      </p:pic>
+      <p:sp>
+        <p:nvSpPr>
+          <p:cNvPr id="7" name="Content Placeholder 6"/>
+          <p:cNvSpPr>
+            <a:spLocks noGrp="1"/>
+          </p:cNvSpPr>
+          <p:nvPr>
+            <p:ph idx="1"/>
+          </p:nvPr>
+        </p:nvSpPr>
+        <p:spPr>
+          <a:xfrm>
+            <a:off x="457200" y="1600201"/>
+            <a:ext cx="8229600" cy="685800"/>
+          </a:xfrm>
+        </p:spPr>
+        <p:txBody>
+          <a:bodyPr/>
+          <a:lstStyle/>
+          <a:p>
+            <a:r>
+              <a:rPr lang="en-US" sz="2000" dirty="0" smtClean="0">
+                <a:solidFill>
+                  <a:schemeClr val="tx2">
+                    <a:lumMod val="75000"/>
+                  </a:schemeClr>
+                </a:solidFill>
+              </a:rPr>
               <a:t>Reboot the system</a:t>
             </a:r>
           </a:p>
@@ -6010,6 +6828,474 @@
         </p:spPr>
       </p:pic>
     </p:spTree>
+  </p:cSld>
+  <p:clrMapOvr>
+    <a:masterClrMapping/>
+  </p:clrMapOvr>
+  <p:timing>
+    <p:tnLst>
+      <p:par>
+        <p:cTn id="1" dur="indefinite" restart="never" nodeType="tmRoot"/>
+      </p:par>
+    </p:tnLst>
+  </p:timing>
+</p:sld>
+</file>
+
+<file path=ppt/slides/slide24.xml><?xml version="1.0" encoding="utf-8"?>
+<p:sld xmlns:a="http://schemas.openxmlformats.org/drawingml/2006/main" xmlns:r="http://schemas.openxmlformats.org/officeDocument/2006/relationships" xmlns:p="http://schemas.openxmlformats.org/presentationml/2006/main">
+  <p:cSld>
+    <p:spTree>
+      <p:nvGrpSpPr>
+        <p:cNvPr id="1" name=""/>
+        <p:cNvGrpSpPr/>
+        <p:nvPr/>
+      </p:nvGrpSpPr>
+      <p:grpSpPr>
+        <a:xfrm>
+          <a:off x="0" y="0"/>
+          <a:ext cx="0" cy="0"/>
+          <a:chOff x="0" y="0"/>
+          <a:chExt cx="0" cy="0"/>
+        </a:xfrm>
+      </p:grpSpPr>
+      <p:sp>
+        <p:nvSpPr>
+          <p:cNvPr id="238" name="Title 1"/>
+          <p:cNvSpPr txBox="1">
+            <a:spLocks/>
+          </p:cNvSpPr>
+          <p:nvPr/>
+        </p:nvSpPr>
+        <p:spPr>
+          <a:xfrm>
+            <a:off x="457200" y="274638"/>
+            <a:ext cx="8229600" cy="1143000"/>
+          </a:xfrm>
+          <a:prstGeom prst="rect">
+            <a:avLst/>
+          </a:prstGeom>
+          <a:ln>
+            <a:noFill/>
+          </a:ln>
+        </p:spPr>
+        <p:txBody>
+          <a:bodyPr>
+            <a:normAutofit/>
+          </a:bodyPr>
+          <a:lstStyle/>
+          <a:p>
+            <a:pPr marL="0" marR="0" lvl="0" indent="0" algn="ctr" defTabSz="914400" rtl="0" eaLnBrk="1" fontAlgn="auto" latinLnBrk="0" hangingPunct="1">
+              <a:lnSpc>
+                <a:spcPct val="100000"/>
+              </a:lnSpc>
+              <a:spcBef>
+                <a:spcPct val="0"/>
+              </a:spcBef>
+              <a:spcAft>
+                <a:spcPts val="0"/>
+              </a:spcAft>
+              <a:buClrTx/>
+              <a:buSzTx/>
+              <a:buFontTx/>
+              <a:buNone/>
+              <a:tabLst/>
+              <a:defRPr/>
+            </a:pPr>
+            <a:r>
+              <a:rPr kumimoji="0" lang="en-US" sz="4400" b="0" i="0" u="none" strike="noStrike" kern="1200" cap="none" spc="0" normalizeH="0" baseline="0" noProof="0" dirty="0" smtClean="0">
+                <a:ln>
+                  <a:noFill/>
+                </a:ln>
+                <a:solidFill>
+                  <a:schemeClr val="bg1"/>
+                </a:solidFill>
+                <a:effectLst/>
+                <a:uLnTx/>
+                <a:uFillTx/>
+                <a:latin typeface="+mj-lt"/>
+                <a:ea typeface="+mj-ea"/>
+                <a:cs typeface="+mj-cs"/>
+              </a:rPr>
+              <a:t>The IDEs</a:t>
+            </a:r>
+            <a:endParaRPr kumimoji="0" lang="en-US" sz="4400" b="0" i="0" u="none" strike="noStrike" kern="1200" cap="none" spc="0" normalizeH="0" baseline="0" noProof="0" dirty="0">
+              <a:ln>
+                <a:noFill/>
+              </a:ln>
+              <a:solidFill>
+                <a:schemeClr val="bg1"/>
+              </a:solidFill>
+              <a:effectLst/>
+              <a:uLnTx/>
+              <a:uFillTx/>
+              <a:latin typeface="+mj-lt"/>
+              <a:ea typeface="+mj-ea"/>
+              <a:cs typeface="+mj-cs"/>
+            </a:endParaRPr>
+          </a:p>
+        </p:txBody>
+      </p:sp>
+      <p:cxnSp>
+        <p:nvCxnSpPr>
+          <p:cNvPr id="240" name="Straight Connector 239"/>
+          <p:cNvCxnSpPr/>
+          <p:nvPr/>
+        </p:nvCxnSpPr>
+        <p:spPr>
+          <a:xfrm>
+            <a:off x="0" y="1447800"/>
+            <a:ext cx="9144000" cy="1588"/>
+          </a:xfrm>
+          <a:prstGeom prst="line">
+            <a:avLst/>
+          </a:prstGeom>
+        </p:spPr>
+        <p:style>
+          <a:lnRef idx="1">
+            <a:schemeClr val="accent1"/>
+          </a:lnRef>
+          <a:fillRef idx="0">
+            <a:schemeClr val="accent1"/>
+          </a:fillRef>
+          <a:effectRef idx="0">
+            <a:schemeClr val="accent1"/>
+          </a:effectRef>
+          <a:fontRef idx="minor">
+            <a:schemeClr val="tx1"/>
+          </a:fontRef>
+        </p:style>
+      </p:cxnSp>
+      <p:pic>
+        <p:nvPicPr>
+          <p:cNvPr id="241" name="Picture 11"/>
+          <p:cNvPicPr>
+            <a:picLocks noChangeAspect="1" noChangeArrowheads="1"/>
+          </p:cNvPicPr>
+          <p:nvPr/>
+        </p:nvPicPr>
+        <p:blipFill>
+          <a:blip r:embed="rId2"/>
+          <a:srcRect/>
+          <a:stretch>
+            <a:fillRect/>
+          </a:stretch>
+        </p:blipFill>
+        <p:spPr bwMode="auto">
+          <a:xfrm>
+            <a:off x="6819900" y="6096000"/>
+            <a:ext cx="2103120" cy="689548"/>
+          </a:xfrm>
+          <a:prstGeom prst="rect">
+            <a:avLst/>
+          </a:prstGeom>
+          <a:noFill/>
+          <a:ln w="9525">
+            <a:noFill/>
+            <a:miter lim="800000"/>
+            <a:headEnd/>
+            <a:tailEnd/>
+          </a:ln>
+          <a:effectLst/>
+        </p:spPr>
+      </p:pic>
+      <p:pic>
+        <p:nvPicPr>
+          <p:cNvPr id="2" name="Picture 2" descr="https://lh3.googleusercontent.com/XLQNbeDqelNK74wPBXzotA0QZ7ascXjBHd57lUjTO1FwxZL9AC_7pSdKeuvFAMlKfdPuDA=s85"/>
+          <p:cNvPicPr>
+            <a:picLocks noChangeAspect="1" noChangeArrowheads="1"/>
+          </p:cNvPicPr>
+          <p:nvPr/>
+        </p:nvPicPr>
+        <p:blipFill>
+          <a:blip r:embed="rId3"/>
+          <a:srcRect/>
+          <a:stretch>
+            <a:fillRect/>
+          </a:stretch>
+        </p:blipFill>
+        <p:spPr bwMode="auto">
+          <a:xfrm>
+            <a:off x="990600" y="2590800"/>
+            <a:ext cx="1828799" cy="1828800"/>
+          </a:xfrm>
+          <a:prstGeom prst="rect">
+            <a:avLst/>
+          </a:prstGeom>
+          <a:noFill/>
+        </p:spPr>
+      </p:pic>
+      <p:sp>
+        <p:nvSpPr>
+          <p:cNvPr id="1028" name="AutoShape 4" descr="Image result for spyder logo png"/>
+          <p:cNvSpPr>
+            <a:spLocks noChangeAspect="1" noChangeArrowheads="1"/>
+          </p:cNvSpPr>
+          <p:nvPr/>
+        </p:nvSpPr>
+        <p:spPr bwMode="auto">
+          <a:xfrm>
+            <a:off x="155575" y="-144463"/>
+            <a:ext cx="304800" cy="304801"/>
+          </a:xfrm>
+          <a:prstGeom prst="rect">
+            <a:avLst/>
+          </a:prstGeom>
+          <a:noFill/>
+        </p:spPr>
+        <p:txBody>
+          <a:bodyPr vert="horz" wrap="square" lIns="91440" tIns="45720" rIns="91440" bIns="45720" numCol="1" anchor="t" anchorCtr="0" compatLnSpc="1">
+            <a:prstTxWarp prst="textNoShape">
+              <a:avLst/>
+            </a:prstTxWarp>
+          </a:bodyPr>
+          <a:lstStyle/>
+          <a:p>
+            <a:endParaRPr lang="en-US"/>
+          </a:p>
+        </p:txBody>
+      </p:sp>
+      <p:sp>
+        <p:nvSpPr>
+          <p:cNvPr id="1030" name="AutoShape 6" descr="Image result for spyder logo png"/>
+          <p:cNvSpPr>
+            <a:spLocks noChangeAspect="1" noChangeArrowheads="1"/>
+          </p:cNvSpPr>
+          <p:nvPr/>
+        </p:nvSpPr>
+        <p:spPr bwMode="auto">
+          <a:xfrm>
+            <a:off x="155575" y="-144463"/>
+            <a:ext cx="304800" cy="304801"/>
+          </a:xfrm>
+          <a:prstGeom prst="rect">
+            <a:avLst/>
+          </a:prstGeom>
+          <a:noFill/>
+        </p:spPr>
+        <p:txBody>
+          <a:bodyPr vert="horz" wrap="square" lIns="91440" tIns="45720" rIns="91440" bIns="45720" numCol="1" anchor="t" anchorCtr="0" compatLnSpc="1">
+            <a:prstTxWarp prst="textNoShape">
+              <a:avLst/>
+            </a:prstTxWarp>
+          </a:bodyPr>
+          <a:lstStyle/>
+          <a:p>
+            <a:endParaRPr lang="en-US"/>
+          </a:p>
+        </p:txBody>
+      </p:sp>
+      <p:pic>
+        <p:nvPicPr>
+          <p:cNvPr id="1032" name="Picture 8" descr="https://lh3.googleusercontent.com/J9OFaGjy_eb9FaZdjkXudeFG86J9nliep1QGlwNOQLVu1u7W9FgZHOKGOnQLdGOOTQk5k3c=s85"/>
+          <p:cNvPicPr>
+            <a:picLocks noChangeAspect="1" noChangeArrowheads="1"/>
+          </p:cNvPicPr>
+          <p:nvPr/>
+        </p:nvPicPr>
+        <p:blipFill>
+          <a:blip r:embed="rId4"/>
+          <a:srcRect/>
+          <a:stretch>
+            <a:fillRect/>
+          </a:stretch>
+        </p:blipFill>
+        <p:spPr bwMode="auto">
+          <a:xfrm>
+            <a:off x="3200400" y="2590800"/>
+            <a:ext cx="1828799" cy="1828800"/>
+          </a:xfrm>
+          <a:prstGeom prst="rect">
+            <a:avLst/>
+          </a:prstGeom>
+          <a:noFill/>
+        </p:spPr>
+      </p:pic>
+      <p:pic>
+        <p:nvPicPr>
+          <p:cNvPr id="1034" name="Picture 10" descr="https://lh3.googleusercontent.com/AlKR_r7Dxd7-2lwoxmPMNetIIcYc8B86b8H0IRpTwPU_R_zNkSafd8NEMH3Z-Y5JTjqle-M=s88"/>
+          <p:cNvPicPr>
+            <a:picLocks noChangeAspect="1" noChangeArrowheads="1"/>
+          </p:cNvPicPr>
+          <p:nvPr/>
+        </p:nvPicPr>
+        <p:blipFill>
+          <a:blip r:embed="rId5"/>
+          <a:srcRect/>
+          <a:stretch>
+            <a:fillRect/>
+          </a:stretch>
+        </p:blipFill>
+        <p:spPr bwMode="auto">
+          <a:xfrm>
+            <a:off x="5486400" y="2590800"/>
+            <a:ext cx="1893342" cy="1828800"/>
+          </a:xfrm>
+          <a:prstGeom prst="rect">
+            <a:avLst/>
+          </a:prstGeom>
+          <a:noFill/>
+        </p:spPr>
+      </p:pic>
+    </p:spTree>
+    <p:extLst>
+      <p:ext uri="{BB962C8B-B14F-4D97-AF65-F5344CB8AC3E}">
+        <p14:creationId xmlns="" xmlns:p14="http://schemas.microsoft.com/office/powerpoint/2010/main" val="4032476198"/>
+      </p:ext>
+    </p:extLst>
+  </p:cSld>
+  <p:clrMapOvr>
+    <a:masterClrMapping/>
+  </p:clrMapOvr>
+  <p:timing>
+    <p:tnLst>
+      <p:par>
+        <p:cTn id="1" dur="indefinite" restart="never" nodeType="tmRoot"/>
+      </p:par>
+    </p:tnLst>
+  </p:timing>
+</p:sld>
+</file>
+
+<file path=ppt/slides/slide25.xml><?xml version="1.0" encoding="utf-8"?>
+<p:sld xmlns:a="http://schemas.openxmlformats.org/drawingml/2006/main" xmlns:r="http://schemas.openxmlformats.org/officeDocument/2006/relationships" xmlns:p="http://schemas.openxmlformats.org/presentationml/2006/main">
+  <p:cSld>
+    <p:spTree>
+      <p:nvGrpSpPr>
+        <p:cNvPr id="1" name=""/>
+        <p:cNvGrpSpPr/>
+        <p:nvPr/>
+      </p:nvGrpSpPr>
+      <p:grpSpPr>
+        <a:xfrm>
+          <a:off x="0" y="0"/>
+          <a:ext cx="0" cy="0"/>
+          <a:chOff x="0" y="0"/>
+          <a:chExt cx="0" cy="0"/>
+        </a:xfrm>
+      </p:grpSpPr>
+      <p:sp>
+        <p:nvSpPr>
+          <p:cNvPr id="4" name="TextBox 3">
+            <a:extLst>
+              <a:ext uri="{FF2B5EF4-FFF2-40B4-BE49-F238E27FC236}">
+                <a16:creationId xmlns="" xmlns:a16="http://schemas.microsoft.com/office/drawing/2014/main" id="{DF691C40-340A-44BC-A6B3-C3A20A9ED913}"/>
+              </a:ext>
+            </a:extLst>
+          </p:cNvPr>
+          <p:cNvSpPr txBox="1"/>
+          <p:nvPr/>
+        </p:nvSpPr>
+        <p:spPr>
+          <a:xfrm>
+            <a:off x="3013910" y="2649826"/>
+            <a:ext cx="3248527" cy="1898084"/>
+          </a:xfrm>
+          <a:prstGeom prst="rect">
+            <a:avLst/>
+          </a:prstGeom>
+          <a:noFill/>
+        </p:spPr>
+        <p:txBody>
+          <a:bodyPr wrap="square" rtlCol="0" anchor="ctr">
+            <a:spAutoFit/>
+          </a:bodyPr>
+          <a:lstStyle/>
+          <a:p>
+            <a:pPr algn="ctr"/>
+            <a:r>
+              <a:rPr lang="en-US" altLang="ko-KR" sz="5867" dirty="0">
+                <a:solidFill>
+                  <a:schemeClr val="accent1">
+                    <a:lumMod val="75000"/>
+                  </a:schemeClr>
+                </a:solidFill>
+                <a:cs typeface="Arial" pitchFamily="34" charset="0"/>
+              </a:rPr>
+              <a:t>Thank You</a:t>
+            </a:r>
+            <a:endParaRPr lang="ko-KR" altLang="en-US" sz="5867" dirty="0">
+              <a:solidFill>
+                <a:schemeClr val="accent1">
+                  <a:lumMod val="75000"/>
+                </a:schemeClr>
+              </a:solidFill>
+              <a:cs typeface="Arial" pitchFamily="34" charset="0"/>
+            </a:endParaRPr>
+          </a:p>
+        </p:txBody>
+      </p:sp>
+      <p:sp>
+        <p:nvSpPr>
+          <p:cNvPr id="5" name="TextBox 4">
+            <a:extLst>
+              <a:ext uri="{FF2B5EF4-FFF2-40B4-BE49-F238E27FC236}">
+                <a16:creationId xmlns="" xmlns:a16="http://schemas.microsoft.com/office/drawing/2014/main" id="{FB2F21A8-A2DC-448E-8003-AFE4C77CBA6F}"/>
+              </a:ext>
+            </a:extLst>
+          </p:cNvPr>
+          <p:cNvSpPr txBox="1"/>
+          <p:nvPr/>
+        </p:nvSpPr>
+        <p:spPr>
+          <a:xfrm>
+            <a:off x="3013874" y="3536629"/>
+            <a:ext cx="3248488" cy="666977"/>
+          </a:xfrm>
+          <a:prstGeom prst="rect">
+            <a:avLst/>
+          </a:prstGeom>
+          <a:noFill/>
+        </p:spPr>
+        <p:txBody>
+          <a:bodyPr wrap="square" rtlCol="0" anchor="ctr">
+            <a:spAutoFit/>
+          </a:bodyPr>
+          <a:lstStyle/>
+          <a:p>
+            <a:pPr algn="ctr"/>
+            <a:r>
+              <a:rPr lang="en-US" altLang="ko-KR" sz="1867" dirty="0">
+                <a:solidFill>
+                  <a:schemeClr val="accent1">
+                    <a:lumMod val="75000"/>
+                  </a:schemeClr>
+                </a:solidFill>
+                <a:cs typeface="Arial" pitchFamily="34" charset="0"/>
+              </a:rPr>
+              <a:t>Insert the Sub Title of</a:t>
+            </a:r>
+          </a:p>
+          <a:p>
+            <a:pPr algn="ctr"/>
+            <a:r>
+              <a:rPr lang="en-US" altLang="ko-KR" sz="1867" dirty="0">
+                <a:solidFill>
+                  <a:schemeClr val="accent1">
+                    <a:lumMod val="75000"/>
+                  </a:schemeClr>
+                </a:solidFill>
+                <a:cs typeface="Arial" pitchFamily="34" charset="0"/>
+              </a:rPr>
+              <a:t>Your Presentation</a:t>
+            </a:r>
+            <a:endParaRPr lang="ko-KR" altLang="en-US" sz="1867" dirty="0">
+              <a:solidFill>
+                <a:schemeClr val="accent1">
+                  <a:lumMod val="75000"/>
+                </a:schemeClr>
+              </a:solidFill>
+              <a:cs typeface="Arial" pitchFamily="34" charset="0"/>
+            </a:endParaRPr>
+          </a:p>
+        </p:txBody>
+      </p:sp>
+    </p:spTree>
+    <p:extLst>
+      <p:ext uri="{BB962C8B-B14F-4D97-AF65-F5344CB8AC3E}">
+        <p14:creationId xmlns="" xmlns:p14="http://schemas.microsoft.com/office/powerpoint/2010/main" val="2582224218"/>
+      </p:ext>
+    </p:extLst>
   </p:cSld>
   <p:clrMapOvr>
     <a:masterClrMapping/>
@@ -6041,6 +7327,302 @@
           <a:chExt cx="0" cy="0"/>
         </a:xfrm>
       </p:grpSpPr>
+      <p:cxnSp>
+        <p:nvCxnSpPr>
+          <p:cNvPr id="8" name="Straight Connector 7"/>
+          <p:cNvCxnSpPr/>
+          <p:nvPr/>
+        </p:nvCxnSpPr>
+        <p:spPr>
+          <a:xfrm>
+            <a:off x="0" y="1447800"/>
+            <a:ext cx="9144000" cy="1588"/>
+          </a:xfrm>
+          <a:prstGeom prst="line">
+            <a:avLst/>
+          </a:prstGeom>
+          <a:ln>
+            <a:solidFill>
+              <a:schemeClr val="tx1"/>
+            </a:solidFill>
+          </a:ln>
+        </p:spPr>
+        <p:style>
+          <a:lnRef idx="1">
+            <a:schemeClr val="accent1"/>
+          </a:lnRef>
+          <a:fillRef idx="0">
+            <a:schemeClr val="accent1"/>
+          </a:fillRef>
+          <a:effectRef idx="0">
+            <a:schemeClr val="accent1"/>
+          </a:effectRef>
+          <a:fontRef idx="minor">
+            <a:schemeClr val="tx1"/>
+          </a:fontRef>
+        </p:style>
+      </p:cxnSp>
+      <p:sp>
+        <p:nvSpPr>
+          <p:cNvPr id="11" name="Title 1"/>
+          <p:cNvSpPr txBox="1">
+            <a:spLocks/>
+          </p:cNvSpPr>
+          <p:nvPr/>
+        </p:nvSpPr>
+        <p:spPr>
+          <a:xfrm>
+            <a:off x="457200" y="274638"/>
+            <a:ext cx="8229600" cy="1143000"/>
+          </a:xfrm>
+          <a:prstGeom prst="rect">
+            <a:avLst/>
+          </a:prstGeom>
+        </p:spPr>
+        <p:txBody>
+          <a:bodyPr/>
+          <a:lstStyle/>
+          <a:p>
+            <a:pPr lvl="0" algn="ctr">
+              <a:spcBef>
+                <a:spcPct val="0"/>
+              </a:spcBef>
+              <a:defRPr/>
+            </a:pPr>
+            <a:r>
+              <a:rPr lang="en-US" sz="4400" dirty="0" smtClean="0"/>
+              <a:t>Python Installation</a:t>
+            </a:r>
+            <a:endParaRPr kumimoji="0" lang="en-US" sz="4400" b="0" i="0" u="none" strike="noStrike" kern="1200" cap="none" spc="0" normalizeH="0" baseline="0" noProof="0" dirty="0">
+              <a:ln>
+                <a:noFill/>
+              </a:ln>
+              <a:solidFill>
+                <a:schemeClr val="bg1"/>
+              </a:solidFill>
+              <a:effectLst/>
+              <a:uLnTx/>
+              <a:uFillTx/>
+              <a:latin typeface="+mj-lt"/>
+              <a:ea typeface="+mj-ea"/>
+              <a:cs typeface="+mj-cs"/>
+            </a:endParaRPr>
+          </a:p>
+        </p:txBody>
+      </p:sp>
+      <p:pic>
+        <p:nvPicPr>
+          <p:cNvPr id="6" name="Picture 9" descr="C:\Users\hi\Desktop\1.png"/>
+          <p:cNvPicPr>
+            <a:picLocks noChangeAspect="1" noChangeArrowheads="1"/>
+          </p:cNvPicPr>
+          <p:nvPr/>
+        </p:nvPicPr>
+        <p:blipFill>
+          <a:blip r:embed="rId2"/>
+          <a:srcRect/>
+          <a:stretch>
+            <a:fillRect/>
+          </a:stretch>
+        </p:blipFill>
+        <p:spPr bwMode="auto">
+          <a:xfrm>
+            <a:off x="7772400" y="5867400"/>
+            <a:ext cx="523875" cy="523875"/>
+          </a:xfrm>
+          <a:prstGeom prst="rect">
+            <a:avLst/>
+          </a:prstGeom>
+          <a:noFill/>
+        </p:spPr>
+      </p:pic>
+      <p:pic>
+        <p:nvPicPr>
+          <p:cNvPr id="7" name="Picture 10" descr="C:\Users\hi\Desktop\2.png"/>
+          <p:cNvPicPr>
+            <a:picLocks noChangeAspect="1" noChangeArrowheads="1"/>
+          </p:cNvPicPr>
+          <p:nvPr/>
+        </p:nvPicPr>
+        <p:blipFill>
+          <a:blip r:embed="rId3"/>
+          <a:srcRect/>
+          <a:stretch>
+            <a:fillRect/>
+          </a:stretch>
+        </p:blipFill>
+        <p:spPr bwMode="auto">
+          <a:xfrm>
+            <a:off x="6096000" y="6353175"/>
+            <a:ext cx="2324100" cy="504825"/>
+          </a:xfrm>
+          <a:prstGeom prst="rect">
+            <a:avLst/>
+          </a:prstGeom>
+          <a:noFill/>
+        </p:spPr>
+      </p:pic>
+      <p:sp>
+        <p:nvSpPr>
+          <p:cNvPr id="9" name="Content Placeholder 6"/>
+          <p:cNvSpPr txBox="1">
+            <a:spLocks/>
+          </p:cNvSpPr>
+          <p:nvPr/>
+        </p:nvSpPr>
+        <p:spPr>
+          <a:xfrm>
+            <a:off x="457200" y="1600201"/>
+            <a:ext cx="8229600" cy="685800"/>
+          </a:xfrm>
+          <a:prstGeom prst="rect">
+            <a:avLst/>
+          </a:prstGeom>
+        </p:spPr>
+        <p:txBody>
+          <a:bodyPr/>
+          <a:lstStyle/>
+          <a:p>
+            <a:pPr marL="342900" marR="0" lvl="0" indent="-342900" algn="l" defTabSz="914400" rtl="0" eaLnBrk="1" fontAlgn="auto" latinLnBrk="0" hangingPunct="1">
+              <a:lnSpc>
+                <a:spcPct val="100000"/>
+              </a:lnSpc>
+              <a:spcBef>
+                <a:spcPct val="20000"/>
+              </a:spcBef>
+              <a:spcAft>
+                <a:spcPts val="0"/>
+              </a:spcAft>
+              <a:buClrTx/>
+              <a:buSzTx/>
+              <a:buFont typeface="Arial" pitchFamily="34" charset="0"/>
+              <a:buChar char="•"/>
+              <a:tabLst/>
+              <a:defRPr/>
+            </a:pPr>
+            <a:r>
+              <a:rPr kumimoji="0" lang="en-US" sz="2000" b="0" i="0" u="none" strike="noStrike" kern="1200" cap="none" spc="0" normalizeH="0" baseline="0" noProof="0" dirty="0" smtClean="0">
+                <a:ln>
+                  <a:noFill/>
+                </a:ln>
+                <a:solidFill>
+                  <a:srgbClr val="FFFF00"/>
+                </a:solidFill>
+                <a:effectLst/>
+                <a:uLnTx/>
+                <a:uFillTx/>
+                <a:latin typeface="+mn-lt"/>
+                <a:ea typeface="+mn-ea"/>
+                <a:cs typeface="+mn-cs"/>
+              </a:rPr>
+              <a:t>Run the executable</a:t>
+            </a:r>
+          </a:p>
+          <a:p>
+            <a:pPr marL="342900" marR="0" lvl="0" indent="-342900" algn="l" defTabSz="914400" rtl="0" eaLnBrk="1" fontAlgn="auto" latinLnBrk="0" hangingPunct="1">
+              <a:lnSpc>
+                <a:spcPct val="100000"/>
+              </a:lnSpc>
+              <a:spcBef>
+                <a:spcPct val="20000"/>
+              </a:spcBef>
+              <a:spcAft>
+                <a:spcPts val="0"/>
+              </a:spcAft>
+              <a:buClrTx/>
+              <a:buSzTx/>
+              <a:buFont typeface="Arial" pitchFamily="34" charset="0"/>
+              <a:buChar char="•"/>
+              <a:tabLst/>
+              <a:defRPr/>
+            </a:pPr>
+            <a:endParaRPr kumimoji="0" lang="en-US" sz="3200" b="0" i="0" u="none" strike="noStrike" kern="1200" cap="none" spc="0" normalizeH="0" baseline="0" noProof="0" dirty="0">
+              <a:ln>
+                <a:noFill/>
+              </a:ln>
+              <a:solidFill>
+                <a:schemeClr val="tx1"/>
+              </a:solidFill>
+              <a:effectLst/>
+              <a:uLnTx/>
+              <a:uFillTx/>
+              <a:latin typeface="+mn-lt"/>
+              <a:ea typeface="+mn-ea"/>
+              <a:cs typeface="+mn-cs"/>
+            </a:endParaRPr>
+          </a:p>
+        </p:txBody>
+      </p:sp>
+      <p:pic>
+        <p:nvPicPr>
+          <p:cNvPr id="12" name="Picture 2"/>
+          <p:cNvPicPr>
+            <a:picLocks noChangeAspect="1" noChangeArrowheads="1"/>
+          </p:cNvPicPr>
+          <p:nvPr/>
+        </p:nvPicPr>
+        <p:blipFill>
+          <a:blip r:embed="rId4"/>
+          <a:srcRect/>
+          <a:stretch>
+            <a:fillRect/>
+          </a:stretch>
+        </p:blipFill>
+        <p:spPr bwMode="auto">
+          <a:xfrm>
+            <a:off x="838200" y="2362200"/>
+            <a:ext cx="5562600" cy="3362325"/>
+          </a:xfrm>
+          <a:prstGeom prst="rect">
+            <a:avLst/>
+          </a:prstGeom>
+          <a:noFill/>
+          <a:ln w="9525">
+            <a:noFill/>
+            <a:miter lim="800000"/>
+            <a:headEnd/>
+            <a:tailEnd/>
+          </a:ln>
+          <a:effectLst/>
+        </p:spPr>
+      </p:pic>
+    </p:spTree>
+    <p:extLst>
+      <p:ext uri="{BB962C8B-B14F-4D97-AF65-F5344CB8AC3E}">
+        <p14:creationId xmlns:p14="http://schemas.microsoft.com/office/powerpoint/2010/main" xmlns="" val="4032476198"/>
+      </p:ext>
+    </p:extLst>
+  </p:cSld>
+  <p:clrMapOvr>
+    <a:masterClrMapping/>
+  </p:clrMapOvr>
+  <p:timing>
+    <p:tnLst>
+      <p:par>
+        <p:cTn id="1" dur="indefinite" restart="never" nodeType="tmRoot"/>
+      </p:par>
+    </p:tnLst>
+  </p:timing>
+</p:sld>
+</file>
+
+<file path=ppt/slides/slide4.xml><?xml version="1.0" encoding="utf-8"?>
+<p:sld xmlns:a="http://schemas.openxmlformats.org/drawingml/2006/main" xmlns:r="http://schemas.openxmlformats.org/officeDocument/2006/relationships" xmlns:p="http://schemas.openxmlformats.org/presentationml/2006/main">
+  <p:cSld>
+    <p:spTree>
+      <p:nvGrpSpPr>
+        <p:cNvPr id="1" name=""/>
+        <p:cNvGrpSpPr/>
+        <p:nvPr/>
+      </p:nvGrpSpPr>
+      <p:grpSpPr>
+        <a:xfrm>
+          <a:off x="0" y="0"/>
+          <a:ext cx="0" cy="0"/>
+          <a:chOff x="0" y="0"/>
+          <a:chExt cx="0" cy="0"/>
+        </a:xfrm>
+      </p:grpSpPr>
       <p:sp>
         <p:nvSpPr>
           <p:cNvPr id="2" name="Title 1"/>
@@ -6182,208 +7764,6 @@
           <a:xfrm>
             <a:off x="838200" y="2362200"/>
             <a:ext cx="5562600" cy="3362325"/>
-          </a:xfrm>
-          <a:prstGeom prst="rect">
-            <a:avLst/>
-          </a:prstGeom>
-          <a:noFill/>
-          <a:ln w="9525">
-            <a:noFill/>
-            <a:miter lim="800000"/>
-            <a:headEnd/>
-            <a:tailEnd/>
-          </a:ln>
-          <a:effectLst/>
-        </p:spPr>
-      </p:pic>
-    </p:spTree>
-  </p:cSld>
-  <p:clrMapOvr>
-    <a:masterClrMapping/>
-  </p:clrMapOvr>
-  <p:timing>
-    <p:tnLst>
-      <p:par>
-        <p:cTn id="1" dur="indefinite" restart="never" nodeType="tmRoot"/>
-      </p:par>
-    </p:tnLst>
-  </p:timing>
-</p:sld>
-</file>
-
-<file path=ppt/slides/slide4.xml><?xml version="1.0" encoding="utf-8"?>
-<p:sld xmlns:a="http://schemas.openxmlformats.org/drawingml/2006/main" xmlns:r="http://schemas.openxmlformats.org/officeDocument/2006/relationships" xmlns:p="http://schemas.openxmlformats.org/presentationml/2006/main">
-  <p:cSld>
-    <p:spTree>
-      <p:nvGrpSpPr>
-        <p:cNvPr id="1" name=""/>
-        <p:cNvGrpSpPr/>
-        <p:nvPr/>
-      </p:nvGrpSpPr>
-      <p:grpSpPr>
-        <a:xfrm>
-          <a:off x="0" y="0"/>
-          <a:ext cx="0" cy="0"/>
-          <a:chOff x="0" y="0"/>
-          <a:chExt cx="0" cy="0"/>
-        </a:xfrm>
-      </p:grpSpPr>
-      <p:sp>
-        <p:nvSpPr>
-          <p:cNvPr id="2" name="Title 1"/>
-          <p:cNvSpPr>
-            <a:spLocks noGrp="1"/>
-          </p:cNvSpPr>
-          <p:nvPr>
-            <p:ph type="title"/>
-          </p:nvPr>
-        </p:nvSpPr>
-        <p:spPr/>
-        <p:txBody>
-          <a:bodyPr/>
-          <a:lstStyle/>
-          <a:p>
-            <a:r>
-              <a:rPr lang="en-US" dirty="0" smtClean="0"/>
-              <a:t>Python Installation</a:t>
-            </a:r>
-            <a:endParaRPr lang="en-US" dirty="0"/>
-          </a:p>
-        </p:txBody>
-      </p:sp>
-      <p:sp>
-        <p:nvSpPr>
-          <p:cNvPr id="3" name="Content Placeholder 2"/>
-          <p:cNvSpPr>
-            <a:spLocks noGrp="1"/>
-          </p:cNvSpPr>
-          <p:nvPr>
-            <p:ph idx="1"/>
-          </p:nvPr>
-        </p:nvSpPr>
-        <p:spPr>
-          <a:xfrm>
-            <a:off x="457200" y="1600201"/>
-            <a:ext cx="8229600" cy="990600"/>
-          </a:xfrm>
-        </p:spPr>
-        <p:txBody>
-          <a:bodyPr>
-            <a:normAutofit/>
-          </a:bodyPr>
-          <a:lstStyle/>
-          <a:p>
-            <a:endParaRPr lang="en-US" sz="2000" dirty="0" smtClean="0">
-              <a:solidFill>
-                <a:schemeClr val="tx2">
-                  <a:lumMod val="75000"/>
-                </a:schemeClr>
-              </a:solidFill>
-            </a:endParaRPr>
-          </a:p>
-          <a:p>
-            <a:r>
-              <a:rPr lang="en-US" sz="2000" dirty="0" smtClean="0">
-                <a:solidFill>
-                  <a:schemeClr val="tx2">
-                    <a:lumMod val="75000"/>
-                  </a:schemeClr>
-                </a:solidFill>
-              </a:rPr>
-              <a:t>Click install now</a:t>
-            </a:r>
-            <a:endParaRPr lang="en-US" sz="2000" dirty="0">
-              <a:solidFill>
-                <a:schemeClr val="tx2">
-                  <a:lumMod val="75000"/>
-                </a:schemeClr>
-              </a:solidFill>
-            </a:endParaRPr>
-          </a:p>
-        </p:txBody>
-      </p:sp>
-      <p:cxnSp>
-        <p:nvCxnSpPr>
-          <p:cNvPr id="5" name="Straight Connector 4"/>
-          <p:cNvCxnSpPr/>
-          <p:nvPr/>
-        </p:nvCxnSpPr>
-        <p:spPr>
-          <a:xfrm>
-            <a:off x="0" y="1447800"/>
-            <a:ext cx="9144000" cy="1588"/>
-          </a:xfrm>
-          <a:prstGeom prst="line">
-            <a:avLst/>
-          </a:prstGeom>
-        </p:spPr>
-        <p:style>
-          <a:lnRef idx="1">
-            <a:schemeClr val="accent1"/>
-          </a:lnRef>
-          <a:fillRef idx="0">
-            <a:schemeClr val="accent1"/>
-          </a:fillRef>
-          <a:effectRef idx="0">
-            <a:schemeClr val="accent1"/>
-          </a:effectRef>
-          <a:fontRef idx="minor">
-            <a:schemeClr val="tx1"/>
-          </a:fontRef>
-        </p:style>
-      </p:cxnSp>
-      <p:pic>
-        <p:nvPicPr>
-          <p:cNvPr id="4099" name="Picture 3"/>
-          <p:cNvPicPr>
-            <a:picLocks noChangeAspect="1" noChangeArrowheads="1"/>
-          </p:cNvPicPr>
-          <p:nvPr/>
-        </p:nvPicPr>
-        <p:blipFill>
-          <a:blip r:embed="rId2"/>
-          <a:srcRect/>
-          <a:stretch>
-            <a:fillRect/>
-          </a:stretch>
-        </p:blipFill>
-        <p:spPr bwMode="auto">
-          <a:xfrm>
-            <a:off x="6819900" y="5867400"/>
-            <a:ext cx="2324100" cy="990600"/>
-          </a:xfrm>
-          <a:prstGeom prst="rect">
-            <a:avLst/>
-          </a:prstGeom>
-          <a:noFill/>
-          <a:ln w="9525">
-            <a:noFill/>
-            <a:miter lim="800000"/>
-            <a:headEnd/>
-            <a:tailEnd/>
-          </a:ln>
-          <a:effectLst/>
-        </p:spPr>
-      </p:pic>
-      <p:pic>
-        <p:nvPicPr>
-          <p:cNvPr id="3077" name="Picture 5"/>
-          <p:cNvPicPr>
-            <a:picLocks noChangeAspect="1" noChangeArrowheads="1"/>
-          </p:cNvPicPr>
-          <p:nvPr/>
-        </p:nvPicPr>
-        <p:blipFill>
-          <a:blip r:embed="rId3"/>
-          <a:srcRect/>
-          <a:stretch>
-            <a:fillRect/>
-          </a:stretch>
-        </p:blipFill>
-        <p:spPr bwMode="auto">
-          <a:xfrm>
-            <a:off x="838200" y="2514600"/>
-            <a:ext cx="5867400" cy="3952875"/>
           </a:xfrm>
           <a:prstGeom prst="rect">
             <a:avLst/>
@@ -6492,7 +7872,7 @@
                   </a:schemeClr>
                 </a:solidFill>
               </a:rPr>
-              <a:t>Click Close once setup was successful</a:t>
+              <a:t>Click install now</a:t>
             </a:r>
             <a:endParaRPr lang="en-US" sz="2000" dirty="0">
               <a:solidFill>
@@ -6569,7 +7949,7 @@
       </p:pic>
       <p:pic>
         <p:nvPicPr>
-          <p:cNvPr id="4098" name="Picture 2"/>
+          <p:cNvPr id="3077" name="Picture 5"/>
           <p:cNvPicPr>
             <a:picLocks noChangeAspect="1" noChangeArrowheads="1"/>
           </p:cNvPicPr>
@@ -6584,8 +7964,8 @@
         </p:blipFill>
         <p:spPr bwMode="auto">
           <a:xfrm>
-            <a:off x="914400" y="2438401"/>
-            <a:ext cx="6172200" cy="3854176"/>
+            <a:off x="838200" y="2514600"/>
+            <a:ext cx="5867400" cy="3952875"/>
           </a:xfrm>
           <a:prstGeom prst="rect">
             <a:avLst/>
@@ -6649,7 +8029,7 @@
           <a:p>
             <a:r>
               <a:rPr lang="en-US" dirty="0" smtClean="0"/>
-              <a:t>Python Verification</a:t>
+              <a:t>Python Installation</a:t>
             </a:r>
             <a:endParaRPr lang="en-US" dirty="0"/>
           </a:p>
@@ -6667,8 +8047,8 @@
         </p:nvSpPr>
         <p:spPr>
           <a:xfrm>
-            <a:off x="4648200" y="3429000"/>
-            <a:ext cx="4495800" cy="990600"/>
+            <a:off x="457200" y="1600201"/>
+            <a:ext cx="8229600" cy="990600"/>
           </a:xfrm>
         </p:spPr>
         <p:txBody>
@@ -6694,7 +8074,7 @@
                   </a:schemeClr>
                 </a:solidFill>
               </a:rPr>
-              <a:t>From start menu type Python</a:t>
+              <a:t>Click Close once setup was successful</a:t>
             </a:r>
             <a:endParaRPr lang="en-US" sz="2000" dirty="0">
               <a:solidFill>
@@ -6771,7 +8151,7 @@
       </p:pic>
       <p:pic>
         <p:nvPicPr>
-          <p:cNvPr id="5122" name="Picture 2"/>
+          <p:cNvPr id="4098" name="Picture 2"/>
           <p:cNvPicPr>
             <a:picLocks noChangeAspect="1" noChangeArrowheads="1"/>
           </p:cNvPicPr>
@@ -6786,8 +8166,8 @@
         </p:blipFill>
         <p:spPr bwMode="auto">
           <a:xfrm>
-            <a:off x="1143000" y="1600200"/>
-            <a:ext cx="3505200" cy="4533900"/>
+            <a:off x="914400" y="2438401"/>
+            <a:ext cx="6172200" cy="3854176"/>
           </a:xfrm>
           <a:prstGeom prst="rect">
             <a:avLst/>
@@ -6869,8 +8249,8 @@
         </p:nvSpPr>
         <p:spPr>
           <a:xfrm>
-            <a:off x="457200" y="1600201"/>
-            <a:ext cx="8229600" cy="990600"/>
+            <a:off x="4648200" y="3429000"/>
+            <a:ext cx="4495800" cy="990600"/>
           </a:xfrm>
         </p:spPr>
         <p:txBody>
@@ -6896,7 +8276,7 @@
                   </a:schemeClr>
                 </a:solidFill>
               </a:rPr>
-              <a:t>Print ‘Hello World’</a:t>
+              <a:t>From start menu type Python</a:t>
             </a:r>
             <a:endParaRPr lang="en-US" sz="2000" dirty="0">
               <a:solidFill>
@@ -6973,7 +8353,7 @@
       </p:pic>
       <p:pic>
         <p:nvPicPr>
-          <p:cNvPr id="6147" name="Picture 3"/>
+          <p:cNvPr id="5122" name="Picture 2"/>
           <p:cNvPicPr>
             <a:picLocks noChangeAspect="1" noChangeArrowheads="1"/>
           </p:cNvPicPr>
@@ -6988,8 +8368,8 @@
         </p:blipFill>
         <p:spPr bwMode="auto">
           <a:xfrm>
-            <a:off x="990600" y="2647950"/>
-            <a:ext cx="7837333" cy="2076450"/>
+            <a:off x="1143000" y="1600200"/>
+            <a:ext cx="3505200" cy="4533900"/>
           </a:xfrm>
           <a:prstGeom prst="rect">
             <a:avLst/>
@@ -7053,9 +8433,60 @@
           <a:p>
             <a:r>
               <a:rPr lang="en-US" dirty="0" smtClean="0"/>
-              <a:t>Python Un-Installation</a:t>
+              <a:t>Python Verification</a:t>
             </a:r>
             <a:endParaRPr lang="en-US" dirty="0"/>
+          </a:p>
+        </p:txBody>
+      </p:sp>
+      <p:sp>
+        <p:nvSpPr>
+          <p:cNvPr id="3" name="Content Placeholder 2"/>
+          <p:cNvSpPr>
+            <a:spLocks noGrp="1"/>
+          </p:cNvSpPr>
+          <p:nvPr>
+            <p:ph idx="1"/>
+          </p:nvPr>
+        </p:nvSpPr>
+        <p:spPr>
+          <a:xfrm>
+            <a:off x="457200" y="1600201"/>
+            <a:ext cx="8229600" cy="990600"/>
+          </a:xfrm>
+        </p:spPr>
+        <p:txBody>
+          <a:bodyPr>
+            <a:normAutofit/>
+          </a:bodyPr>
+          <a:lstStyle/>
+          <a:p>
+            <a:endParaRPr lang="en-US" sz="2000" dirty="0" smtClean="0">
+              <a:solidFill>
+                <a:schemeClr val="tx2">
+                  <a:lumMod val="75000"/>
+                </a:schemeClr>
+              </a:solidFill>
+            </a:endParaRPr>
+          </a:p>
+          <a:p>
+            <a:r>
+              <a:rPr lang="en-US" sz="2000" dirty="0" smtClean="0">
+                <a:solidFill>
+                  <a:schemeClr val="tx2">
+                    <a:lumMod val="75000"/>
+                  </a:schemeClr>
+                </a:solidFill>
+              </a:rPr>
+              <a:t>Print ‘Hello World’</a:t>
+            </a:r>
+            <a:endParaRPr lang="en-US" sz="2000" dirty="0">
+              <a:solidFill>
+                <a:schemeClr val="tx2">
+                  <a:lumMod val="75000"/>
+                </a:schemeClr>
+              </a:solidFill>
+            </a:endParaRPr>
           </a:p>
         </p:txBody>
       </p:sp>
@@ -7122,45 +8553,9 @@
           <a:effectLst/>
         </p:spPr>
       </p:pic>
-      <p:sp>
-        <p:nvSpPr>
-          <p:cNvPr id="7" name="Content Placeholder 6"/>
-          <p:cNvSpPr>
-            <a:spLocks noGrp="1"/>
-          </p:cNvSpPr>
-          <p:nvPr>
-            <p:ph idx="1"/>
-          </p:nvPr>
-        </p:nvSpPr>
-        <p:spPr>
-          <a:xfrm>
-            <a:off x="457200" y="1600201"/>
-            <a:ext cx="8229600" cy="685800"/>
-          </a:xfrm>
-        </p:spPr>
-        <p:txBody>
-          <a:bodyPr/>
-          <a:lstStyle/>
-          <a:p>
-            <a:r>
-              <a:rPr lang="en-US" sz="2000" dirty="0" smtClean="0">
-                <a:solidFill>
-                  <a:schemeClr val="tx2">
-                    <a:lumMod val="75000"/>
-                  </a:schemeClr>
-                </a:solidFill>
-              </a:rPr>
-              <a:t>Run the executable</a:t>
-            </a:r>
-          </a:p>
-          <a:p>
-            <a:endParaRPr lang="en-US" dirty="0"/>
-          </a:p>
-        </p:txBody>
-      </p:sp>
       <p:pic>
         <p:nvPicPr>
-          <p:cNvPr id="8" name="Picture 2"/>
+          <p:cNvPr id="6147" name="Picture 3"/>
           <p:cNvPicPr>
             <a:picLocks noChangeAspect="1" noChangeArrowheads="1"/>
           </p:cNvPicPr>
@@ -7175,8 +8570,8 @@
         </p:blipFill>
         <p:spPr bwMode="auto">
           <a:xfrm>
-            <a:off x="838200" y="2362200"/>
-            <a:ext cx="5562600" cy="3362325"/>
+            <a:off x="990600" y="2647950"/>
+            <a:ext cx="7837333" cy="2076450"/>
           </a:xfrm>
           <a:prstGeom prst="rect">
             <a:avLst/>
@@ -7337,7 +8732,7 @@
                   </a:schemeClr>
                 </a:solidFill>
               </a:rPr>
-              <a:t>Click on Uninstall</a:t>
+              <a:t>Run the executable</a:t>
             </a:r>
           </a:p>
           <a:p>
@@ -7347,7 +8742,7 @@
       </p:sp>
       <p:pic>
         <p:nvPicPr>
-          <p:cNvPr id="7170" name="Picture 2"/>
+          <p:cNvPr id="8" name="Picture 2"/>
           <p:cNvPicPr>
             <a:picLocks noChangeAspect="1" noChangeArrowheads="1"/>
           </p:cNvPicPr>
@@ -7362,8 +8757,8 @@
         </p:blipFill>
         <p:spPr bwMode="auto">
           <a:xfrm>
-            <a:off x="838200" y="2133600"/>
-            <a:ext cx="6419850" cy="3962400"/>
+            <a:off x="838200" y="2362200"/>
+            <a:ext cx="5562600" cy="3362325"/>
           </a:xfrm>
           <a:prstGeom prst="rect">
             <a:avLst/>
